--- a/vis_and_analysis_student_demo_template.pptx
+++ b/vis_and_analysis_student_demo_template.pptx
@@ -5,10 +5,10 @@
     <p:sldMasterId id="2147483648" r:id="rId4"/>
   </p:sldMasterIdLst>
   <p:notesMasterIdLst>
-    <p:notesMasterId r:id="rId18"/>
+    <p:notesMasterId r:id="rId17"/>
   </p:notesMasterIdLst>
   <p:handoutMasterIdLst>
-    <p:handoutMasterId r:id="rId19"/>
+    <p:handoutMasterId r:id="rId18"/>
   </p:handoutMasterIdLst>
   <p:sldIdLst>
     <p:sldId id="337" r:id="rId5"/>
@@ -16,14 +16,13 @@
     <p:sldId id="289" r:id="rId7"/>
     <p:sldId id="341" r:id="rId8"/>
     <p:sldId id="329" r:id="rId9"/>
-    <p:sldId id="336" r:id="rId10"/>
-    <p:sldId id="340" r:id="rId11"/>
-    <p:sldId id="339" r:id="rId12"/>
-    <p:sldId id="342" r:id="rId13"/>
-    <p:sldId id="260" r:id="rId14"/>
-    <p:sldId id="259" r:id="rId15"/>
-    <p:sldId id="261" r:id="rId16"/>
-    <p:sldId id="262" r:id="rId17"/>
+    <p:sldId id="347" r:id="rId10"/>
+    <p:sldId id="348" r:id="rId11"/>
+    <p:sldId id="342" r:id="rId12"/>
+    <p:sldId id="260" r:id="rId13"/>
+    <p:sldId id="259" r:id="rId14"/>
+    <p:sldId id="261" r:id="rId15"/>
+    <p:sldId id="262" r:id="rId16"/>
   </p:sldIdLst>
   <p:sldSz cx="12192000" cy="6858000"/>
   <p:notesSz cx="6858000" cy="9144000"/>
@@ -421,7 +420,7 @@
             <a:fld id="{93FAAC3A-BD1F-4A00-9099-74B95789FE00}" type="datetimeFigureOut">
               <a:rPr lang="en-GB" smtClean="0"/>
               <a:pPr/>
-              <a:t>17/11/2025</a:t>
+              <a:t>04/12/2025</a:t>
             </a:fld>
             <a:endParaRPr lang="en-GB"/>
           </a:p>
@@ -900,7 +899,7 @@
             <a:fld id="{8E359C8A-39F6-4045-9163-4042C4C26B15}" type="datetimeFigureOut">
               <a:rPr lang="en-GB" smtClean="0"/>
               <a:pPr/>
-              <a:t>17/11/2025</a:t>
+              <a:t>04/12/2025</a:t>
             </a:fld>
             <a:endParaRPr lang="en-GB"/>
           </a:p>
@@ -1273,261 +1272,6 @@
       </p:grpSpPr>
       <p:sp>
         <p:nvSpPr>
-          <p:cNvPr id="2" name="Slide Image Placeholder 1"/>
-          <p:cNvSpPr>
-            <a:spLocks noGrp="1" noRot="1" noChangeAspect="1"/>
-          </p:cNvSpPr>
-          <p:nvPr>
-            <p:ph type="sldImg"/>
-          </p:nvPr>
-        </p:nvSpPr>
-        <p:spPr/>
-      </p:sp>
-      <p:sp>
-        <p:nvSpPr>
-          <p:cNvPr id="3" name="Notes Placeholder 2"/>
-          <p:cNvSpPr>
-            <a:spLocks noGrp="1"/>
-          </p:cNvSpPr>
-          <p:nvPr>
-            <p:ph type="body" idx="1"/>
-          </p:nvPr>
-        </p:nvSpPr>
-        <p:spPr/>
-        <p:txBody>
-          <a:bodyPr/>
-          <a:lstStyle/>
-          <a:p>
-            <a:endParaRPr lang="en-GB"/>
-          </a:p>
-        </p:txBody>
-      </p:sp>
-      <p:sp>
-        <p:nvSpPr>
-          <p:cNvPr id="4" name="Slide Number Placeholder 3"/>
-          <p:cNvSpPr>
-            <a:spLocks noGrp="1"/>
-          </p:cNvSpPr>
-          <p:nvPr>
-            <p:ph type="sldNum" sz="quarter" idx="5"/>
-          </p:nvPr>
-        </p:nvSpPr>
-        <p:spPr/>
-        <p:txBody>
-          <a:bodyPr/>
-          <a:lstStyle/>
-          <a:p>
-            <a:fld id="{30370952-48CC-46D7-9FCD-59FAD40CC025}" type="slidenum">
-              <a:rPr lang="en-GB" smtClean="0"/>
-              <a:pPr/>
-              <a:t>6</a:t>
-            </a:fld>
-            <a:endParaRPr lang="en-GB"/>
-          </a:p>
-        </p:txBody>
-      </p:sp>
-    </p:spTree>
-    <p:extLst>
-      <p:ext uri="{BB962C8B-B14F-4D97-AF65-F5344CB8AC3E}">
-        <p14:creationId xmlns:p14="http://schemas.microsoft.com/office/powerpoint/2010/main" val="2667984944"/>
-      </p:ext>
-    </p:extLst>
-  </p:cSld>
-  <p:clrMapOvr>
-    <a:masterClrMapping/>
-  </p:clrMapOvr>
-</p:notes>
-</file>
-
-<file path=ppt/notesSlides/notesSlide3.xml><?xml version="1.0" encoding="utf-8"?>
-<p:notes xmlns:a="http://schemas.openxmlformats.org/drawingml/2006/main" xmlns:r="http://schemas.openxmlformats.org/officeDocument/2006/relationships" xmlns:p="http://schemas.openxmlformats.org/presentationml/2006/main">
-  <p:cSld>
-    <p:spTree>
-      <p:nvGrpSpPr>
-        <p:cNvPr id="1" name=""/>
-        <p:cNvGrpSpPr/>
-        <p:nvPr/>
-      </p:nvGrpSpPr>
-      <p:grpSpPr>
-        <a:xfrm>
-          <a:off x="0" y="0"/>
-          <a:ext cx="0" cy="0"/>
-          <a:chOff x="0" y="0"/>
-          <a:chExt cx="0" cy="0"/>
-        </a:xfrm>
-      </p:grpSpPr>
-      <p:sp>
-        <p:nvSpPr>
-          <p:cNvPr id="2" name="Slide Image Placeholder 1"/>
-          <p:cNvSpPr>
-            <a:spLocks noGrp="1" noRot="1" noChangeAspect="1"/>
-          </p:cNvSpPr>
-          <p:nvPr>
-            <p:ph type="sldImg"/>
-          </p:nvPr>
-        </p:nvSpPr>
-        <p:spPr/>
-      </p:sp>
-      <p:sp>
-        <p:nvSpPr>
-          <p:cNvPr id="3" name="Notes Placeholder 2"/>
-          <p:cNvSpPr>
-            <a:spLocks noGrp="1"/>
-          </p:cNvSpPr>
-          <p:nvPr>
-            <p:ph type="body" idx="1"/>
-          </p:nvPr>
-        </p:nvSpPr>
-        <p:spPr/>
-        <p:txBody>
-          <a:bodyPr/>
-          <a:lstStyle/>
-          <a:p>
-            <a:endParaRPr lang="en-GB"/>
-          </a:p>
-        </p:txBody>
-      </p:sp>
-      <p:sp>
-        <p:nvSpPr>
-          <p:cNvPr id="4" name="Slide Number Placeholder 3"/>
-          <p:cNvSpPr>
-            <a:spLocks noGrp="1"/>
-          </p:cNvSpPr>
-          <p:nvPr>
-            <p:ph type="sldNum" sz="quarter" idx="5"/>
-          </p:nvPr>
-        </p:nvSpPr>
-        <p:spPr/>
-        <p:txBody>
-          <a:bodyPr/>
-          <a:lstStyle/>
-          <a:p>
-            <a:fld id="{30370952-48CC-46D7-9FCD-59FAD40CC025}" type="slidenum">
-              <a:rPr lang="en-GB" smtClean="0"/>
-              <a:pPr/>
-              <a:t>7</a:t>
-            </a:fld>
-            <a:endParaRPr lang="en-GB"/>
-          </a:p>
-        </p:txBody>
-      </p:sp>
-    </p:spTree>
-    <p:extLst>
-      <p:ext uri="{BB962C8B-B14F-4D97-AF65-F5344CB8AC3E}">
-        <p14:creationId xmlns:p14="http://schemas.microsoft.com/office/powerpoint/2010/main" val="3934570700"/>
-      </p:ext>
-    </p:extLst>
-  </p:cSld>
-  <p:clrMapOvr>
-    <a:masterClrMapping/>
-  </p:clrMapOvr>
-</p:notes>
-</file>
-
-<file path=ppt/notesSlides/notesSlide4.xml><?xml version="1.0" encoding="utf-8"?>
-<p:notes xmlns:a="http://schemas.openxmlformats.org/drawingml/2006/main" xmlns:r="http://schemas.openxmlformats.org/officeDocument/2006/relationships" xmlns:p="http://schemas.openxmlformats.org/presentationml/2006/main">
-  <p:cSld>
-    <p:spTree>
-      <p:nvGrpSpPr>
-        <p:cNvPr id="1" name=""/>
-        <p:cNvGrpSpPr/>
-        <p:nvPr/>
-      </p:nvGrpSpPr>
-      <p:grpSpPr>
-        <a:xfrm>
-          <a:off x="0" y="0"/>
-          <a:ext cx="0" cy="0"/>
-          <a:chOff x="0" y="0"/>
-          <a:chExt cx="0" cy="0"/>
-        </a:xfrm>
-      </p:grpSpPr>
-      <p:sp>
-        <p:nvSpPr>
-          <p:cNvPr id="2" name="Slide Image Placeholder 1"/>
-          <p:cNvSpPr>
-            <a:spLocks noGrp="1" noRot="1" noChangeAspect="1"/>
-          </p:cNvSpPr>
-          <p:nvPr>
-            <p:ph type="sldImg"/>
-          </p:nvPr>
-        </p:nvSpPr>
-        <p:spPr/>
-      </p:sp>
-      <p:sp>
-        <p:nvSpPr>
-          <p:cNvPr id="3" name="Notes Placeholder 2"/>
-          <p:cNvSpPr>
-            <a:spLocks noGrp="1"/>
-          </p:cNvSpPr>
-          <p:nvPr>
-            <p:ph type="body" idx="1"/>
-          </p:nvPr>
-        </p:nvSpPr>
-        <p:spPr/>
-        <p:txBody>
-          <a:bodyPr/>
-          <a:lstStyle/>
-          <a:p>
-            <a:endParaRPr lang="en-GB"/>
-          </a:p>
-        </p:txBody>
-      </p:sp>
-      <p:sp>
-        <p:nvSpPr>
-          <p:cNvPr id="4" name="Slide Number Placeholder 3"/>
-          <p:cNvSpPr>
-            <a:spLocks noGrp="1"/>
-          </p:cNvSpPr>
-          <p:nvPr>
-            <p:ph type="sldNum" sz="quarter" idx="5"/>
-          </p:nvPr>
-        </p:nvSpPr>
-        <p:spPr/>
-        <p:txBody>
-          <a:bodyPr/>
-          <a:lstStyle/>
-          <a:p>
-            <a:fld id="{30370952-48CC-46D7-9FCD-59FAD40CC025}" type="slidenum">
-              <a:rPr lang="en-GB" smtClean="0"/>
-              <a:pPr/>
-              <a:t>8</a:t>
-            </a:fld>
-            <a:endParaRPr lang="en-GB"/>
-          </a:p>
-        </p:txBody>
-      </p:sp>
-    </p:spTree>
-    <p:extLst>
-      <p:ext uri="{BB962C8B-B14F-4D97-AF65-F5344CB8AC3E}">
-        <p14:creationId xmlns:p14="http://schemas.microsoft.com/office/powerpoint/2010/main" val="2313538379"/>
-      </p:ext>
-    </p:extLst>
-  </p:cSld>
-  <p:clrMapOvr>
-    <a:masterClrMapping/>
-  </p:clrMapOvr>
-</p:notes>
-</file>
-
-<file path=ppt/notesSlides/notesSlide5.xml><?xml version="1.0" encoding="utf-8"?>
-<p:notes xmlns:a="http://schemas.openxmlformats.org/drawingml/2006/main" xmlns:r="http://schemas.openxmlformats.org/officeDocument/2006/relationships" xmlns:p="http://schemas.openxmlformats.org/presentationml/2006/main">
-  <p:cSld>
-    <p:spTree>
-      <p:nvGrpSpPr>
-        <p:cNvPr id="1" name=""/>
-        <p:cNvGrpSpPr/>
-        <p:nvPr/>
-      </p:nvGrpSpPr>
-      <p:grpSpPr>
-        <a:xfrm>
-          <a:off x="0" y="0"/>
-          <a:ext cx="0" cy="0"/>
-          <a:chOff x="0" y="0"/>
-          <a:chExt cx="0" cy="0"/>
-        </a:xfrm>
-      </p:grpSpPr>
-      <p:sp>
-        <p:nvSpPr>
           <p:cNvPr id="142" name="PlaceHolder 1"/>
           <p:cNvSpPr>
             <a:spLocks noGrp="1" noRot="1" noChangeAspect="1"/>
@@ -1611,7 +1355,7 @@
               <a:rPr lang="en-GB" sz="1200" b="0" strike="noStrike" spc="-1">
                 <a:latin typeface="Times New Roman"/>
               </a:rPr>
-              <a:t>10</a:t>
+              <a:t>9</a:t>
             </a:fld>
             <a:endParaRPr lang="en-US" sz="1200" b="0" strike="noStrike" spc="-1">
               <a:latin typeface="Times New Roman"/>
@@ -1627,7 +1371,7 @@
 </p:notes>
 </file>
 
-<file path=ppt/notesSlides/notesSlide6.xml><?xml version="1.0" encoding="utf-8"?>
+<file path=ppt/notesSlides/notesSlide3.xml><?xml version="1.0" encoding="utf-8"?>
 <p:notes xmlns:a="http://schemas.openxmlformats.org/drawingml/2006/main" xmlns:r="http://schemas.openxmlformats.org/officeDocument/2006/relationships" xmlns:p="http://schemas.openxmlformats.org/presentationml/2006/main">
   <p:cSld>
     <p:spTree>
@@ -1729,7 +1473,7 @@
               <a:rPr lang="en-GB" sz="1200" b="0" strike="noStrike" spc="-1">
                 <a:latin typeface="Times New Roman"/>
               </a:rPr>
-              <a:t>12</a:t>
+              <a:t>11</a:t>
             </a:fld>
             <a:endParaRPr lang="en-US" sz="1200" b="0" strike="noStrike" spc="-1">
               <a:latin typeface="Times New Roman"/>
@@ -1745,7 +1489,7 @@
 </p:notes>
 </file>
 
-<file path=ppt/notesSlides/notesSlide7.xml><?xml version="1.0" encoding="utf-8"?>
+<file path=ppt/notesSlides/notesSlide4.xml><?xml version="1.0" encoding="utf-8"?>
 <p:notes xmlns:a="http://schemas.openxmlformats.org/drawingml/2006/main" xmlns:r="http://schemas.openxmlformats.org/officeDocument/2006/relationships" xmlns:p="http://schemas.openxmlformats.org/presentationml/2006/main">
   <p:cSld>
     <p:spTree>
@@ -1847,7 +1591,7 @@
               <a:rPr lang="en-GB" sz="1200" b="0" strike="noStrike" spc="-1">
                 <a:latin typeface="Times New Roman"/>
               </a:rPr>
-              <a:t>13</a:t>
+              <a:t>12</a:t>
             </a:fld>
             <a:endParaRPr lang="en-US" sz="1200" b="0" strike="noStrike" spc="-1">
               <a:latin typeface="Times New Roman"/>
@@ -5921,904 +5665,6 @@
       </p:grpSpPr>
       <p:sp>
         <p:nvSpPr>
-          <p:cNvPr id="115" name="CustomShape 1"/>
-          <p:cNvSpPr/>
-          <p:nvPr/>
-        </p:nvSpPr>
-        <p:spPr>
-          <a:xfrm>
-            <a:off x="0" y="0"/>
-            <a:ext cx="12191760" cy="6857640"/>
-          </a:xfrm>
-          <a:prstGeom prst="rect">
-            <a:avLst/>
-          </a:prstGeom>
-          <a:solidFill>
-            <a:schemeClr val="bg1"/>
-          </a:solidFill>
-          <a:ln>
-            <a:noFill/>
-          </a:ln>
-        </p:spPr>
-        <p:style>
-          <a:lnRef idx="2">
-            <a:schemeClr val="accent1">
-              <a:shade val="50000"/>
-            </a:schemeClr>
-          </a:lnRef>
-          <a:fillRef idx="1">
-            <a:schemeClr val="accent1"/>
-          </a:fillRef>
-          <a:effectRef idx="0">
-            <a:schemeClr val="accent1"/>
-          </a:effectRef>
-          <a:fontRef idx="minor"/>
-        </p:style>
-        <p:txBody>
-          <a:bodyPr/>
-          <a:lstStyle/>
-          <a:p>
-            <a:endParaRPr lang="en-GB"/>
-          </a:p>
-        </p:txBody>
-      </p:sp>
-      <p:sp>
-        <p:nvSpPr>
-          <p:cNvPr id="116" name="CustomShape 2"/>
-          <p:cNvSpPr/>
-          <p:nvPr/>
-        </p:nvSpPr>
-        <p:spPr>
-          <a:xfrm rot="10800000" flipH="1">
-            <a:off x="360" y="360"/>
-            <a:ext cx="12191760" cy="1575720"/>
-          </a:xfrm>
-          <a:prstGeom prst="rect">
-            <a:avLst/>
-          </a:prstGeom>
-          <a:gradFill rotWithShape="0">
-            <a:gsLst>
-              <a:gs pos="0">
-                <a:srgbClr val="000000">
-                  <a:alpha val="96078"/>
-                </a:srgbClr>
-              </a:gs>
-              <a:gs pos="100000">
-                <a:srgbClr val="77418E"/>
-              </a:gs>
-            </a:gsLst>
-            <a:lin ang="15600000"/>
-          </a:gradFill>
-          <a:ln>
-            <a:noFill/>
-          </a:ln>
-        </p:spPr>
-        <p:style>
-          <a:lnRef idx="2">
-            <a:schemeClr val="accent1">
-              <a:shade val="50000"/>
-            </a:schemeClr>
-          </a:lnRef>
-          <a:fillRef idx="1">
-            <a:schemeClr val="accent1"/>
-          </a:fillRef>
-          <a:effectRef idx="0">
-            <a:schemeClr val="accent1"/>
-          </a:effectRef>
-          <a:fontRef idx="minor"/>
-        </p:style>
-        <p:txBody>
-          <a:bodyPr/>
-          <a:lstStyle/>
-          <a:p>
-            <a:endParaRPr lang="en-GB"/>
-          </a:p>
-        </p:txBody>
-      </p:sp>
-      <p:sp>
-        <p:nvSpPr>
-          <p:cNvPr id="117" name="CustomShape 3"/>
-          <p:cNvSpPr/>
-          <p:nvPr/>
-        </p:nvSpPr>
-        <p:spPr>
-          <a:xfrm>
-            <a:off x="0" y="0"/>
-            <a:ext cx="8128440" cy="1575000"/>
-          </a:xfrm>
-          <a:prstGeom prst="rect">
-            <a:avLst/>
-          </a:prstGeom>
-          <a:gradFill rotWithShape="0">
-            <a:gsLst>
-              <a:gs pos="26000">
-                <a:srgbClr val="C49FD3">
-                  <a:alpha val="0"/>
-                </a:srgbClr>
-              </a:gs>
-              <a:gs pos="100000">
-                <a:srgbClr val="9C5FB5">
-                  <a:alpha val="41176"/>
-                </a:srgbClr>
-              </a:gs>
-            </a:gsLst>
-            <a:lin ang="19200000"/>
-          </a:gradFill>
-          <a:ln>
-            <a:noFill/>
-          </a:ln>
-        </p:spPr>
-        <p:style>
-          <a:lnRef idx="2">
-            <a:schemeClr val="accent1">
-              <a:shade val="50000"/>
-            </a:schemeClr>
-          </a:lnRef>
-          <a:fillRef idx="1">
-            <a:schemeClr val="accent1"/>
-          </a:fillRef>
-          <a:effectRef idx="0">
-            <a:schemeClr val="accent1"/>
-          </a:effectRef>
-          <a:fontRef idx="minor"/>
-        </p:style>
-        <p:txBody>
-          <a:bodyPr/>
-          <a:lstStyle/>
-          <a:p>
-            <a:endParaRPr lang="en-GB"/>
-          </a:p>
-        </p:txBody>
-      </p:sp>
-      <p:sp>
-        <p:nvSpPr>
-          <p:cNvPr id="118" name="CustomShape 4"/>
-          <p:cNvSpPr/>
-          <p:nvPr/>
-        </p:nvSpPr>
-        <p:spPr>
-          <a:xfrm flipH="1">
-            <a:off x="0" y="0"/>
-            <a:ext cx="12191760" cy="1573920"/>
-          </a:xfrm>
-          <a:prstGeom prst="rect">
-            <a:avLst/>
-          </a:prstGeom>
-          <a:gradFill rotWithShape="0">
-            <a:gsLst>
-              <a:gs pos="22000">
-                <a:srgbClr val="9C5FB5">
-                  <a:alpha val="15294"/>
-                </a:srgbClr>
-              </a:gs>
-              <a:gs pos="100000">
-                <a:srgbClr val="000000">
-                  <a:alpha val="63137"/>
-                </a:srgbClr>
-              </a:gs>
-            </a:gsLst>
-            <a:lin ang="6000000"/>
-          </a:gradFill>
-          <a:ln>
-            <a:noFill/>
-          </a:ln>
-        </p:spPr>
-        <p:style>
-          <a:lnRef idx="2">
-            <a:schemeClr val="accent1">
-              <a:shade val="50000"/>
-            </a:schemeClr>
-          </a:lnRef>
-          <a:fillRef idx="1">
-            <a:schemeClr val="accent1"/>
-          </a:fillRef>
-          <a:effectRef idx="0">
-            <a:schemeClr val="accent1"/>
-          </a:effectRef>
-          <a:fontRef idx="minor"/>
-        </p:style>
-        <p:txBody>
-          <a:bodyPr/>
-          <a:lstStyle/>
-          <a:p>
-            <a:endParaRPr lang="en-GB"/>
-          </a:p>
-        </p:txBody>
-      </p:sp>
-      <p:sp>
-        <p:nvSpPr>
-          <p:cNvPr id="119" name="TextShape 5"/>
-          <p:cNvSpPr txBox="1"/>
-          <p:nvPr/>
-        </p:nvSpPr>
-        <p:spPr>
-          <a:xfrm>
-            <a:off x="290880" y="158400"/>
-            <a:ext cx="7063200" cy="1158840"/>
-          </a:xfrm>
-          <a:prstGeom prst="rect">
-            <a:avLst/>
-          </a:prstGeom>
-          <a:noFill/>
-          <a:ln>
-            <a:noFill/>
-          </a:ln>
-        </p:spPr>
-        <p:txBody>
-          <a:bodyPr anchor="ctr">
-            <a:normAutofit/>
-          </a:bodyPr>
-          <a:lstStyle/>
-          <a:p>
-            <a:pPr>
-              <a:lnSpc>
-                <a:spcPct val="90000"/>
-              </a:lnSpc>
-            </a:pPr>
-            <a:r>
-              <a:rPr lang="en-US" sz="2400" b="0" strike="noStrike" spc="-202">
-                <a:solidFill>
-                  <a:srgbClr val="FFFFFF"/>
-                </a:solidFill>
-                <a:latin typeface="Arial"/>
-              </a:rPr>
-              <a:t> </a:t>
-            </a:r>
-            <a:br/>
-            <a:br/>
-            <a:endParaRPr lang="en-US" sz="2400" b="0" strike="noStrike" spc="-1">
-              <a:solidFill>
-                <a:srgbClr val="203232"/>
-              </a:solidFill>
-              <a:latin typeface="Arial"/>
-            </a:endParaRPr>
-          </a:p>
-        </p:txBody>
-      </p:sp>
-      <p:sp>
-        <p:nvSpPr>
-          <p:cNvPr id="120" name="TextShape 6"/>
-          <p:cNvSpPr txBox="1"/>
-          <p:nvPr/>
-        </p:nvSpPr>
-        <p:spPr>
-          <a:xfrm>
-            <a:off x="8217720" y="343800"/>
-            <a:ext cx="3386160" cy="1158840"/>
-          </a:xfrm>
-          <a:prstGeom prst="rect">
-            <a:avLst/>
-          </a:prstGeom>
-          <a:noFill/>
-          <a:ln>
-            <a:noFill/>
-          </a:ln>
-        </p:spPr>
-        <p:txBody>
-          <a:bodyPr anchor="ctr">
-            <a:noAutofit/>
-          </a:bodyPr>
-          <a:lstStyle/>
-          <a:p>
-            <a:pPr>
-              <a:lnSpc>
-                <a:spcPts val="2880"/>
-              </a:lnSpc>
-              <a:spcAft>
-                <a:spcPts val="992"/>
-              </a:spcAft>
-              <a:tabLst>
-                <a:tab pos="0" algn="l"/>
-              </a:tabLst>
-            </a:pPr>
-            <a:r>
-              <a:rPr lang="en-GB" sz="3200" b="0" strike="noStrike" spc="-100">
-                <a:solidFill>
-                  <a:srgbClr val="FFFFFF"/>
-                </a:solidFill>
-                <a:latin typeface="Arial"/>
-              </a:rPr>
-              <a:t>Our RQ asks about Correlation</a:t>
-            </a:r>
-            <a:endParaRPr lang="en-US" sz="3200" b="0" strike="noStrike" spc="-1">
-              <a:latin typeface="Arial"/>
-            </a:endParaRPr>
-          </a:p>
-        </p:txBody>
-      </p:sp>
-      <p:sp>
-        <p:nvSpPr>
-          <p:cNvPr id="121" name="TextShape 7"/>
-          <p:cNvSpPr txBox="1"/>
-          <p:nvPr/>
-        </p:nvSpPr>
-        <p:spPr>
-          <a:xfrm>
-            <a:off x="11704320" y="6455520"/>
-            <a:ext cx="447840" cy="364680"/>
-          </a:xfrm>
-          <a:prstGeom prst="rect">
-            <a:avLst/>
-          </a:prstGeom>
-          <a:noFill/>
-          <a:ln>
-            <a:noFill/>
-          </a:ln>
-        </p:spPr>
-        <p:txBody>
-          <a:bodyPr anchor="ctr">
-            <a:normAutofit/>
-          </a:bodyPr>
-          <a:lstStyle/>
-          <a:p>
-            <a:pPr algn="r">
-              <a:lnSpc>
-                <a:spcPct val="100000"/>
-              </a:lnSpc>
-              <a:spcAft>
-                <a:spcPts val="601"/>
-              </a:spcAft>
-            </a:pPr>
-            <a:fld id="{3AD1EC97-2E3A-4B5A-93B5-9F892C3DC423}" type="slidenum">
-              <a:rPr lang="en-US" sz="1100" b="1" strike="noStrike" spc="-1">
-                <a:solidFill>
-                  <a:srgbClr val="7DABAB"/>
-                </a:solidFill>
-                <a:latin typeface="Arial"/>
-              </a:rPr>
-              <a:t>10</a:t>
-            </a:fld>
-            <a:endParaRPr lang="en-US" sz="1100" b="0" strike="noStrike" spc="-1">
-              <a:latin typeface="Times New Roman"/>
-            </a:endParaRPr>
-          </a:p>
-        </p:txBody>
-      </p:sp>
-      <p:sp>
-        <p:nvSpPr>
-          <p:cNvPr id="122" name="CustomShape 8"/>
-          <p:cNvSpPr/>
-          <p:nvPr/>
-        </p:nvSpPr>
-        <p:spPr>
-          <a:xfrm>
-            <a:off x="366120" y="197640"/>
-            <a:ext cx="6988320" cy="1187640"/>
-          </a:xfrm>
-          <a:prstGeom prst="rect">
-            <a:avLst/>
-          </a:prstGeom>
-          <a:noFill/>
-          <a:ln>
-            <a:noFill/>
-          </a:ln>
-        </p:spPr>
-        <p:style>
-          <a:lnRef idx="0">
-            <a:scrgbClr r="0" g="0" b="0"/>
-          </a:lnRef>
-          <a:fillRef idx="0">
-            <a:scrgbClr r="0" g="0" b="0"/>
-          </a:fillRef>
-          <a:effectRef idx="0">
-            <a:scrgbClr r="0" g="0" b="0"/>
-          </a:effectRef>
-          <a:fontRef idx="minor"/>
-        </p:style>
-        <p:txBody>
-          <a:bodyPr lIns="90000" tIns="45000" rIns="90000" bIns="45000">
-            <a:spAutoFit/>
-          </a:bodyPr>
-          <a:lstStyle/>
-          <a:p>
-            <a:pPr>
-              <a:lnSpc>
-                <a:spcPct val="100000"/>
-              </a:lnSpc>
-            </a:pPr>
-            <a:r>
-              <a:rPr lang="en-GB" sz="2400" b="0" strike="noStrike" spc="-1">
-                <a:solidFill>
-                  <a:srgbClr val="FFFFFF"/>
-                </a:solidFill>
-                <a:latin typeface="Arial"/>
-              </a:rPr>
-              <a:t>Here is a </a:t>
-            </a:r>
-            <a:r>
-              <a:rPr lang="en-GB" sz="2400" b="1" strike="noStrike" spc="-1">
-                <a:solidFill>
-                  <a:srgbClr val="FFFFFF"/>
-                </a:solidFill>
-                <a:latin typeface="Arial"/>
-              </a:rPr>
-              <a:t>Histogram </a:t>
-            </a:r>
-            <a:r>
-              <a:rPr lang="en-GB" sz="2400" b="0" strike="noStrike" spc="-1">
-                <a:solidFill>
-                  <a:srgbClr val="FFFFFF"/>
-                </a:solidFill>
-                <a:latin typeface="Arial"/>
-              </a:rPr>
-              <a:t>showing the frequencies of our dependent variable to include the normal curve overlay</a:t>
-            </a:r>
-            <a:r>
-              <a:rPr lang="en-GB" sz="1800" b="0" strike="noStrike" spc="-1">
-                <a:solidFill>
-                  <a:srgbClr val="203232"/>
-                </a:solidFill>
-                <a:latin typeface="Arial"/>
-              </a:rPr>
-              <a:t>.</a:t>
-            </a:r>
-            <a:endParaRPr lang="en-US" sz="1800" b="0" strike="noStrike" spc="-1">
-              <a:latin typeface="Arial"/>
-            </a:endParaRPr>
-          </a:p>
-        </p:txBody>
-      </p:sp>
-      <p:sp>
-        <p:nvSpPr>
-          <p:cNvPr id="123" name="CustomShape 9"/>
-          <p:cNvSpPr/>
-          <p:nvPr/>
-        </p:nvSpPr>
-        <p:spPr>
-          <a:xfrm>
-            <a:off x="182880" y="1645920"/>
-            <a:ext cx="11722680" cy="5046840"/>
-          </a:xfrm>
-          <a:prstGeom prst="roundRect">
-            <a:avLst>
-              <a:gd name="adj" fmla="val 16667"/>
-            </a:avLst>
-          </a:prstGeom>
-          <a:solidFill>
-            <a:schemeClr val="accent1">
-              <a:lumMod val="20000"/>
-              <a:lumOff val="80000"/>
-            </a:schemeClr>
-          </a:solidFill>
-          <a:ln/>
-        </p:spPr>
-        <p:style>
-          <a:lnRef idx="2">
-            <a:schemeClr val="accent1">
-              <a:shade val="50000"/>
-            </a:schemeClr>
-          </a:lnRef>
-          <a:fillRef idx="1">
-            <a:schemeClr val="accent1"/>
-          </a:fillRef>
-          <a:effectRef idx="0">
-            <a:schemeClr val="accent1"/>
-          </a:effectRef>
-          <a:fontRef idx="minor"/>
-        </p:style>
-        <p:txBody>
-          <a:bodyPr lIns="90000" tIns="45000" rIns="90000" bIns="45000" anchor="ctr">
-            <a:noAutofit/>
-          </a:bodyPr>
-          <a:lstStyle/>
-          <a:p>
-            <a:pPr>
-              <a:lnSpc>
-                <a:spcPct val="100000"/>
-              </a:lnSpc>
-            </a:pPr>
-            <a:r>
-              <a:rPr lang="en-GB" sz="1800" b="0" strike="noStrike" spc="-1">
-                <a:solidFill>
-                  <a:srgbClr val="000000"/>
-                </a:solidFill>
-                <a:latin typeface="Arial"/>
-              </a:rPr>
-              <a:t>For example:</a:t>
-            </a:r>
-            <a:endParaRPr lang="en-US" sz="1800" b="0" strike="noStrike" spc="-1">
-              <a:latin typeface="Arial"/>
-            </a:endParaRPr>
-          </a:p>
-          <a:p>
-            <a:pPr>
-              <a:lnSpc>
-                <a:spcPct val="100000"/>
-              </a:lnSpc>
-            </a:pPr>
-            <a:endParaRPr lang="en-US" sz="1800" b="0" strike="noStrike" spc="-1">
-              <a:latin typeface="Arial"/>
-            </a:endParaRPr>
-          </a:p>
-          <a:p>
-            <a:pPr>
-              <a:lnSpc>
-                <a:spcPct val="100000"/>
-              </a:lnSpc>
-            </a:pPr>
-            <a:endParaRPr lang="en-US" sz="1800" b="0" strike="noStrike" spc="-1">
-              <a:latin typeface="Arial"/>
-            </a:endParaRPr>
-          </a:p>
-          <a:p>
-            <a:pPr>
-              <a:lnSpc>
-                <a:spcPct val="100000"/>
-              </a:lnSpc>
-            </a:pPr>
-            <a:endParaRPr lang="en-US" sz="1800" b="0" strike="noStrike" spc="-1">
-              <a:latin typeface="Arial"/>
-            </a:endParaRPr>
-          </a:p>
-          <a:p>
-            <a:pPr>
-              <a:lnSpc>
-                <a:spcPct val="100000"/>
-              </a:lnSpc>
-            </a:pPr>
-            <a:endParaRPr lang="en-US" sz="1800" b="0" strike="noStrike" spc="-1">
-              <a:latin typeface="Arial"/>
-            </a:endParaRPr>
-          </a:p>
-          <a:p>
-            <a:pPr>
-              <a:lnSpc>
-                <a:spcPct val="100000"/>
-              </a:lnSpc>
-            </a:pPr>
-            <a:endParaRPr lang="en-US" sz="1800" b="0" strike="noStrike" spc="-1">
-              <a:latin typeface="Arial"/>
-            </a:endParaRPr>
-          </a:p>
-          <a:p>
-            <a:pPr>
-              <a:lnSpc>
-                <a:spcPct val="100000"/>
-              </a:lnSpc>
-            </a:pPr>
-            <a:endParaRPr lang="en-US" sz="1800" b="0" strike="noStrike" spc="-1">
-              <a:latin typeface="Arial"/>
-            </a:endParaRPr>
-          </a:p>
-          <a:p>
-            <a:pPr>
-              <a:lnSpc>
-                <a:spcPct val="100000"/>
-              </a:lnSpc>
-            </a:pPr>
-            <a:endParaRPr lang="en-US" sz="1800" b="0" strike="noStrike" spc="-1">
-              <a:latin typeface="Arial"/>
-            </a:endParaRPr>
-          </a:p>
-          <a:p>
-            <a:pPr>
-              <a:lnSpc>
-                <a:spcPct val="100000"/>
-              </a:lnSpc>
-            </a:pPr>
-            <a:endParaRPr lang="en-US" sz="1800" b="0" strike="noStrike" spc="-1">
-              <a:latin typeface="Arial"/>
-            </a:endParaRPr>
-          </a:p>
-          <a:p>
-            <a:pPr>
-              <a:lnSpc>
-                <a:spcPct val="100000"/>
-              </a:lnSpc>
-            </a:pPr>
-            <a:endParaRPr lang="en-US" sz="1800" b="0" strike="noStrike" spc="-1">
-              <a:latin typeface="Arial"/>
-            </a:endParaRPr>
-          </a:p>
-          <a:p>
-            <a:pPr>
-              <a:lnSpc>
-                <a:spcPct val="100000"/>
-              </a:lnSpc>
-            </a:pPr>
-            <a:endParaRPr lang="en-US" sz="1800" b="0" strike="noStrike" spc="-1">
-              <a:latin typeface="Arial"/>
-            </a:endParaRPr>
-          </a:p>
-          <a:p>
-            <a:pPr>
-              <a:lnSpc>
-                <a:spcPct val="100000"/>
-              </a:lnSpc>
-            </a:pPr>
-            <a:endParaRPr lang="en-US" sz="1800" b="0" strike="noStrike" spc="-1">
-              <a:latin typeface="Arial"/>
-            </a:endParaRPr>
-          </a:p>
-          <a:p>
-            <a:pPr>
-              <a:lnSpc>
-                <a:spcPct val="100000"/>
-              </a:lnSpc>
-            </a:pPr>
-            <a:endParaRPr lang="en-US" sz="1800" b="0" strike="noStrike" spc="-1">
-              <a:latin typeface="Arial"/>
-            </a:endParaRPr>
-          </a:p>
-          <a:p>
-            <a:pPr>
-              <a:lnSpc>
-                <a:spcPct val="100000"/>
-              </a:lnSpc>
-            </a:pPr>
-            <a:endParaRPr lang="en-US" sz="1800" b="0" strike="noStrike" spc="-1">
-              <a:latin typeface="Arial"/>
-            </a:endParaRPr>
-          </a:p>
-          <a:p>
-            <a:pPr>
-              <a:lnSpc>
-                <a:spcPct val="100000"/>
-              </a:lnSpc>
-            </a:pPr>
-            <a:endParaRPr lang="en-US" sz="1800" b="0" strike="noStrike" spc="-1">
-              <a:latin typeface="Arial"/>
-            </a:endParaRPr>
-          </a:p>
-          <a:p>
-            <a:pPr>
-              <a:lnSpc>
-                <a:spcPct val="100000"/>
-              </a:lnSpc>
-            </a:pPr>
-            <a:endParaRPr lang="en-US" sz="1800" b="0" strike="noStrike" spc="-1">
-              <a:latin typeface="Arial"/>
-            </a:endParaRPr>
-          </a:p>
-        </p:txBody>
-      </p:sp>
-      <p:sp>
-        <p:nvSpPr>
-          <p:cNvPr id="124" name="CustomShape 10"/>
-          <p:cNvSpPr/>
-          <p:nvPr/>
-        </p:nvSpPr>
-        <p:spPr>
-          <a:xfrm>
-            <a:off x="6412680" y="2012760"/>
-            <a:ext cx="5057640" cy="4205160"/>
-          </a:xfrm>
-          <a:prstGeom prst="rect">
-            <a:avLst/>
-          </a:prstGeom>
-          <a:noFill/>
-          <a:ln>
-            <a:noFill/>
-          </a:ln>
-        </p:spPr>
-        <p:style>
-          <a:lnRef idx="0">
-            <a:scrgbClr r="0" g="0" b="0"/>
-          </a:lnRef>
-          <a:fillRef idx="0">
-            <a:scrgbClr r="0" g="0" b="0"/>
-          </a:fillRef>
-          <a:effectRef idx="0">
-            <a:scrgbClr r="0" g="0" b="0"/>
-          </a:effectRef>
-          <a:fontRef idx="minor"/>
-        </p:style>
-        <p:txBody>
-          <a:bodyPr lIns="90000" tIns="45000" rIns="90000" bIns="45000">
-            <a:spAutoFit/>
-          </a:bodyPr>
-          <a:lstStyle/>
-          <a:p>
-            <a:pPr>
-              <a:lnSpc>
-                <a:spcPct val="100000"/>
-              </a:lnSpc>
-            </a:pPr>
-            <a:r>
-              <a:rPr lang="en-GB" sz="1800" b="0" strike="noStrike" spc="-1">
-                <a:solidFill>
-                  <a:srgbClr val="203232"/>
-                </a:solidFill>
-                <a:latin typeface="Arial"/>
-              </a:rPr>
-              <a:t>Choose one:</a:t>
-            </a:r>
-            <a:endParaRPr lang="en-US" sz="1800" b="0" strike="noStrike" spc="-1">
-              <a:latin typeface="Arial"/>
-            </a:endParaRPr>
-          </a:p>
-          <a:p>
-            <a:pPr>
-              <a:lnSpc>
-                <a:spcPct val="100000"/>
-              </a:lnSpc>
-            </a:pPr>
-            <a:r>
-              <a:rPr lang="en-GB" sz="1800" b="0" strike="noStrike" spc="-1">
-                <a:solidFill>
-                  <a:srgbClr val="203232"/>
-                </a:solidFill>
-                <a:latin typeface="Arial"/>
-              </a:rPr>
-              <a:t>1. The blue normal curve overlay follows the contours of the underlying data, so for our analysis we will use a parametric test for correlation:  </a:t>
-            </a:r>
-            <a:r>
-              <a:rPr lang="en-GB" sz="1800" b="0" strike="noStrike" spc="-1">
-                <a:solidFill>
-                  <a:srgbClr val="0073CF"/>
-                </a:solidFill>
-                <a:latin typeface="Arial"/>
-              </a:rPr>
-              <a:t>Pearson’s r</a:t>
-            </a:r>
-            <a:endParaRPr lang="en-US" sz="1800" b="0" strike="noStrike" spc="-1">
-              <a:latin typeface="Arial"/>
-            </a:endParaRPr>
-          </a:p>
-          <a:p>
-            <a:pPr>
-              <a:lnSpc>
-                <a:spcPct val="100000"/>
-              </a:lnSpc>
-            </a:pPr>
-            <a:r>
-              <a:rPr lang="en-GB" sz="1800" b="0" strike="noStrike" spc="-1">
-                <a:solidFill>
-                  <a:srgbClr val="0073CF"/>
-                </a:solidFill>
-                <a:latin typeface="Arial"/>
-              </a:rPr>
-              <a:t>OR</a:t>
-            </a:r>
-            <a:endParaRPr lang="en-US" sz="1800" b="0" strike="noStrike" spc="-1">
-              <a:latin typeface="Arial"/>
-            </a:endParaRPr>
-          </a:p>
-          <a:p>
-            <a:pPr>
-              <a:lnSpc>
-                <a:spcPct val="100000"/>
-              </a:lnSpc>
-            </a:pPr>
-            <a:r>
-              <a:rPr lang="en-GB" sz="1800" b="0" strike="noStrike" spc="-1">
-                <a:solidFill>
-                  <a:srgbClr val="203232"/>
-                </a:solidFill>
-                <a:latin typeface="Arial"/>
-              </a:rPr>
-              <a:t>The normal curve overlay </a:t>
-            </a:r>
-            <a:r>
-              <a:rPr lang="en-GB" sz="1800" b="1" strike="noStrike" spc="-1">
-                <a:solidFill>
-                  <a:srgbClr val="203232"/>
-                </a:solidFill>
-                <a:latin typeface="Arial"/>
-              </a:rPr>
-              <a:t>does not follow </a:t>
-            </a:r>
-            <a:r>
-              <a:rPr lang="en-GB" sz="1800" b="0" strike="noStrike" spc="-1">
-                <a:solidFill>
-                  <a:srgbClr val="203232"/>
-                </a:solidFill>
-                <a:latin typeface="Arial"/>
-              </a:rPr>
-              <a:t>the shape of the underlying data, so for our analysis we  use the non-parametric test for correlation that does not assume normality: </a:t>
-            </a:r>
-            <a:r>
-              <a:rPr lang="en-GB" sz="1800" b="0" strike="noStrike" spc="-1">
-                <a:solidFill>
-                  <a:srgbClr val="0073CF"/>
-                </a:solidFill>
-                <a:latin typeface="Arial"/>
-              </a:rPr>
-              <a:t>Spearman’s Rho </a:t>
-            </a:r>
-            <a:r>
-              <a:rPr lang="en-GB" sz="1800" b="0" strike="noStrike" spc="-1">
-                <a:solidFill>
-                  <a:srgbClr val="203232"/>
-                </a:solidFill>
-                <a:latin typeface="Arial"/>
-              </a:rPr>
-              <a:t>or </a:t>
-            </a:r>
-            <a:r>
-              <a:rPr lang="en-GB" sz="1800" b="0" strike="noStrike" spc="-1">
-                <a:solidFill>
-                  <a:srgbClr val="0073CF"/>
-                </a:solidFill>
-                <a:latin typeface="Arial"/>
-              </a:rPr>
-              <a:t>Kendal’s Tau</a:t>
-            </a:r>
-            <a:endParaRPr lang="en-US" sz="1800" b="0" strike="noStrike" spc="-1">
-              <a:latin typeface="Arial"/>
-            </a:endParaRPr>
-          </a:p>
-          <a:p>
-            <a:pPr>
-              <a:lnSpc>
-                <a:spcPct val="100000"/>
-              </a:lnSpc>
-            </a:pPr>
-            <a:endParaRPr lang="en-US" sz="1800" b="0" strike="noStrike" spc="-1">
-              <a:latin typeface="Arial"/>
-            </a:endParaRPr>
-          </a:p>
-          <a:p>
-            <a:pPr>
-              <a:lnSpc>
-                <a:spcPct val="100000"/>
-              </a:lnSpc>
-            </a:pPr>
-            <a:r>
-              <a:rPr lang="en-GB" sz="1800" b="0" strike="noStrike" spc="-1">
-                <a:solidFill>
-                  <a:srgbClr val="0073CF"/>
-                </a:solidFill>
-                <a:latin typeface="Arial"/>
-              </a:rPr>
-              <a:t>The example here is borderline, in terms of shape, so when in doubt choose the non-parametric equivalent.</a:t>
-            </a:r>
-            <a:endParaRPr lang="en-US" sz="1800" b="0" strike="noStrike" spc="-1">
-              <a:latin typeface="Arial"/>
-            </a:endParaRPr>
-          </a:p>
-        </p:txBody>
-      </p:sp>
-      <p:pic>
-        <p:nvPicPr>
-          <p:cNvPr id="125" name="Picture 5" descr="Chart, histogram&#10;&#10;Description automatically generated"/>
-          <p:cNvPicPr/>
-          <p:nvPr/>
-        </p:nvPicPr>
-        <p:blipFill>
-          <a:blip r:embed="rId3"/>
-          <a:stretch/>
-        </p:blipFill>
-        <p:spPr>
-          <a:xfrm>
-            <a:off x="885960" y="1685879"/>
-            <a:ext cx="5057640" cy="5057640"/>
-          </a:xfrm>
-          <a:prstGeom prst="rect">
-            <a:avLst/>
-          </a:prstGeom>
-          <a:ln>
-            <a:noFill/>
-          </a:ln>
-        </p:spPr>
-      </p:pic>
-    </p:spTree>
-  </p:cSld>
-  <p:clrMapOvr>
-    <a:masterClrMapping/>
-  </p:clrMapOvr>
-</p:sld>
-</file>
-
-<file path=ppt/slides/slide11.xml><?xml version="1.0" encoding="utf-8"?>
-<p:sld xmlns:a="http://schemas.openxmlformats.org/drawingml/2006/main" xmlns:r="http://schemas.openxmlformats.org/officeDocument/2006/relationships" xmlns:p="http://schemas.openxmlformats.org/presentationml/2006/main">
-  <p:cSld>
-    <p:spTree>
-      <p:nvGrpSpPr>
-        <p:cNvPr id="1" name=""/>
-        <p:cNvGrpSpPr/>
-        <p:nvPr/>
-      </p:nvGrpSpPr>
-      <p:grpSpPr>
-        <a:xfrm>
-          <a:off x="0" y="0"/>
-          <a:ext cx="0" cy="0"/>
-          <a:chOff x="0" y="0"/>
-          <a:chExt cx="0" cy="0"/>
-        </a:xfrm>
-      </p:grpSpPr>
-      <p:sp>
-        <p:nvSpPr>
           <p:cNvPr id="104" name="CustomShape 1"/>
           <p:cNvSpPr/>
           <p:nvPr/>
@@ -7164,7 +6010,7 @@
                 </a:solidFill>
                 <a:latin typeface="Arial"/>
               </a:rPr>
-              <a:t>11</a:t>
+              <a:t>10</a:t>
             </a:fld>
             <a:endParaRPr lang="en-US" sz="1100" b="0" strike="noStrike" spc="-1">
               <a:latin typeface="Times New Roman"/>
@@ -7733,7 +6579,7 @@
 </p:sld>
 </file>
 
-<file path=ppt/slides/slide12.xml><?xml version="1.0" encoding="utf-8"?>
+<file path=ppt/slides/slide11.xml><?xml version="1.0" encoding="utf-8"?>
 <p:sld xmlns:a="http://schemas.openxmlformats.org/drawingml/2006/main" xmlns:r="http://schemas.openxmlformats.org/officeDocument/2006/relationships" xmlns:p="http://schemas.openxmlformats.org/presentationml/2006/main">
   <p:cSld>
     <p:spTree>
@@ -8134,7 +6980,7 @@
                 </a:solidFill>
                 <a:latin typeface="Arial"/>
               </a:rPr>
-              <a:t>12</a:t>
+              <a:t>11</a:t>
             </a:fld>
             <a:endParaRPr lang="en-US" sz="1100" b="0" strike="noStrike" spc="-1">
               <a:latin typeface="Times New Roman"/>
@@ -10962,7 +9808,7 @@
 </p:sld>
 </file>
 
-<file path=ppt/slides/slide13.xml><?xml version="1.0" encoding="utf-8"?>
+<file path=ppt/slides/slide12.xml><?xml version="1.0" encoding="utf-8"?>
 <p:sld xmlns:a="http://schemas.openxmlformats.org/drawingml/2006/main" xmlns:r="http://schemas.openxmlformats.org/officeDocument/2006/relationships" xmlns:p="http://schemas.openxmlformats.org/presentationml/2006/main">
   <p:cSld>
     <p:spTree>
@@ -11061,7 +9907,7 @@
                 </a:solidFill>
                 <a:latin typeface="Arial"/>
               </a:rPr>
-              <a:t>13</a:t>
+              <a:t>12</a:t>
             </a:fld>
             <a:endParaRPr lang="en-US" sz="1500" b="0" strike="noStrike" spc="-1">
               <a:latin typeface="Times New Roman"/>
@@ -11266,25 +10112,7 @@
                 </a:solidFill>
                 <a:latin typeface="Arial"/>
               </a:rPr>
-              <a:t>fail to reject the </a:t>
-            </a:r>
-            <a:r>
-              <a:rPr lang="en-US" sz="3600" spc="-202">
-                <a:solidFill>
-                  <a:srgbClr val="203232"/>
-                </a:solidFill>
-                <a:latin typeface="Arial"/>
-              </a:rPr>
-              <a:t>null hypothesis’</a:t>
-            </a:r>
-            <a:r>
-              <a:rPr lang="en-US" sz="3600" b="0" strike="noStrike" spc="-202">
-                <a:solidFill>
-                  <a:srgbClr val="203232"/>
-                </a:solidFill>
-                <a:latin typeface="Arial"/>
-              </a:rPr>
-              <a:t> or ‘reject </a:t>
+              <a:t>fail to reject the null hypothesis’</a:t>
             </a:r>
             <a:r>
               <a:rPr lang="en-US" sz="3600" b="0" strike="noStrike" spc="-202" dirty="0">
@@ -11293,23 +10121,8 @@
                 </a:solidFill>
                 <a:latin typeface="Arial"/>
               </a:rPr>
-              <a:t>the </a:t>
-            </a:r>
-            <a:r>
-              <a:rPr lang="en-US" sz="3600" b="0" strike="noStrike" spc="-202">
-                <a:solidFill>
-                  <a:srgbClr val="203232"/>
-                </a:solidFill>
-                <a:latin typeface="Arial"/>
-              </a:rPr>
-              <a:t>null hypothesis’?</a:t>
-            </a:r>
-            <a:endParaRPr lang="en-US" sz="3600" b="0" strike="noStrike" spc="-202" dirty="0">
-              <a:solidFill>
-                <a:srgbClr val="203232"/>
-              </a:solidFill>
-              <a:latin typeface="Arial"/>
-            </a:endParaRPr>
+              <a:t> or ‘reject the null hypothesis’?</a:t>
+            </a:r>
           </a:p>
           <a:p>
             <a:pPr marL="285750" indent="-285750">
@@ -12096,8 +10909,8 @@
           <a:lstStyle/>
           <a:p>
             <a:r>
-              <a:rPr lang="en-US" sz="2000"/>
-              <a:t>Group Id:                                                           Name of Student Presenting:</a:t>
+              <a:rPr lang="en-US" sz="2000" dirty="0"/>
+              <a:t>Group Id:     A 80                                                      Name of Student Presenting: Atik Patwary</a:t>
             </a:r>
           </a:p>
         </p:txBody>
@@ -12130,7 +10943,7 @@
           <a:p>
             <a:r>
               <a:rPr lang="en-GB" dirty="0"/>
-              <a:t>7COM1079-2025  Student Group No:                    Names of Student Attendees  (all group should attend to get feedback): </a:t>
+              <a:t>7COM1079-2025  Student Group No:    A 80              Names of Student Attendees  (all group should attend to get feedback): Atik Patwary, Md Ahmed, Abir Mahmud, Mahmood Parvez, Sayed Harun</a:t>
             </a:r>
           </a:p>
         </p:txBody>
@@ -12400,8 +11213,8 @@
         </p:nvSpPr>
         <p:spPr>
           <a:xfrm>
-            <a:off x="965288" y="1080637"/>
-            <a:ext cx="10110240" cy="588024"/>
+            <a:off x="501041" y="1080637"/>
+            <a:ext cx="11403091" cy="588024"/>
           </a:xfrm>
         </p:spPr>
         <p:txBody>
@@ -12409,44 +11222,72 @@
           <a:lstStyle/>
           <a:p>
             <a:r>
-              <a:rPr lang="en-US" sz="2400" b="0">
+              <a:rPr lang="en-US" sz="2400" b="0" dirty="0">
                 <a:latin typeface="Calibri" panose="020F0502020204030204" pitchFamily="34" charset="0"/>
                 <a:cs typeface="Calibri" panose="020F0502020204030204" pitchFamily="34" charset="0"/>
               </a:rPr>
               <a:t>We are using the dataset</a:t>
             </a:r>
             <a:r>
-              <a:rPr lang="en-US" sz="2400" b="0">
+              <a:rPr lang="en-US" sz="2400" b="0" dirty="0">
                 <a:solidFill>
                   <a:srgbClr val="FF0000"/>
                 </a:solidFill>
                 <a:latin typeface="Calibri" panose="020F0502020204030204" pitchFamily="34" charset="0"/>
                 <a:cs typeface="Calibri" panose="020F0502020204030204" pitchFamily="34" charset="0"/>
               </a:rPr>
-              <a:t>   (replace this text with your DS number and  file name) </a:t>
-            </a:r>
-            <a:r>
-              <a:rPr lang="en-US" sz="2400" b="0">
+              <a:t>   (DS101) </a:t>
+            </a:r>
+            <a:r>
+              <a:rPr lang="en-US" sz="2400" b="0" dirty="0">
                 <a:solidFill>
                   <a:schemeClr val="tx1"/>
                 </a:solidFill>
                 <a:latin typeface="Calibri" panose="020F0502020204030204" pitchFamily="34" charset="0"/>
                 <a:cs typeface="Calibri" panose="020F0502020204030204" pitchFamily="34" charset="0"/>
               </a:rPr>
-              <a:t> to answer our Research Question  </a:t>
-            </a:r>
-            <a:r>
-              <a:rPr lang="en-US" sz="2400" b="0">
+              <a:t> to answer our Research Question </a:t>
+            </a:r>
+            <a:r>
+              <a:rPr lang="en-US" sz="2000" b="0" dirty="0">
+                <a:solidFill>
+                  <a:srgbClr val="C00000"/>
+                </a:solidFill>
+                <a:latin typeface="Calibri" panose="020F0502020204030204" pitchFamily="34" charset="0"/>
+                <a:cs typeface="Calibri" panose="020F0502020204030204" pitchFamily="34" charset="0"/>
+              </a:rPr>
+              <a:t>“</a:t>
+            </a:r>
+            <a:r>
+              <a:rPr lang="en-US" sz="2000" dirty="0">
+                <a:solidFill>
+                  <a:srgbClr val="FF0000"/>
+                </a:solidFill>
+              </a:rPr>
+              <a:t>Is there a correlation between the number of COVID-19 tests conducted in Ohio and the incidence of positive outcomes during the period 2020–2021?”</a:t>
+            </a:r>
+            <a:r>
+              <a:rPr lang="en-US" sz="2000" b="0" dirty="0">
                 <a:solidFill>
                   <a:srgbClr val="FF0000"/>
                 </a:solidFill>
                 <a:latin typeface="Calibri" panose="020F0502020204030204" pitchFamily="34" charset="0"/>
                 <a:cs typeface="Calibri" panose="020F0502020204030204" pitchFamily="34" charset="0"/>
               </a:rPr>
-              <a:t>“ (replace this text with your RQ ……           ”</a:t>
-            </a:r>
-            <a:r>
-              <a:rPr lang="en-US" sz="2400" b="0">
+              <a:t>  </a:t>
+            </a:r>
+            <a:r>
+              <a:rPr lang="en-US" sz="2400" b="0" dirty="0">
+                <a:solidFill>
+                  <a:srgbClr val="FF0000"/>
+                </a:solidFill>
+                <a:latin typeface="Calibri" panose="020F0502020204030204" pitchFamily="34" charset="0"/>
+                <a:cs typeface="Calibri" panose="020F0502020204030204" pitchFamily="34" charset="0"/>
+              </a:rPr>
+              <a:t>”</a:t>
+            </a:r>
+            <a:r>
+              <a:rPr lang="en-US" sz="2400" b="0" dirty="0">
                 <a:solidFill>
                   <a:schemeClr val="tx1"/>
                 </a:solidFill>
@@ -12456,7 +11297,7 @@
               <a:t> </a:t>
             </a:r>
             <a:r>
-              <a:rPr lang="en-US" sz="2400" baseline="30000">
+              <a:rPr lang="en-US" sz="2400" baseline="30000" dirty="0">
                 <a:solidFill>
                   <a:schemeClr val="tx1"/>
                 </a:solidFill>
@@ -12468,7 +11309,7 @@
           </a:p>
           <a:p>
             <a:br>
-              <a:rPr lang="en-US" sz="2400" b="0">
+              <a:rPr lang="en-US" sz="2400" b="0" dirty="0">
                 <a:solidFill>
                   <a:srgbClr val="FF0000"/>
                 </a:solidFill>
@@ -12476,7 +11317,7 @@
                 <a:cs typeface="Calibri" panose="020F0502020204030204" pitchFamily="34" charset="0"/>
               </a:rPr>
             </a:br>
-            <a:endParaRPr lang="en-US" sz="2400">
+            <a:endParaRPr lang="en-US" sz="2400" dirty="0">
               <a:solidFill>
                 <a:schemeClr val="tx1"/>
               </a:solidFill>
@@ -12549,1413 +11390,6 @@
           </a:p>
         </p:txBody>
       </p:sp>
-      <p:graphicFrame>
-        <p:nvGraphicFramePr>
-          <p:cNvPr id="11" name="Table 10">
-            <a:extLst>
-              <a:ext uri="{FF2B5EF4-FFF2-40B4-BE49-F238E27FC236}">
-                <a16:creationId xmlns:a16="http://schemas.microsoft.com/office/drawing/2014/main" id="{17468CB6-B0D7-5760-9515-F26AE1D82D2B}"/>
-              </a:ext>
-            </a:extLst>
-          </p:cNvPr>
-          <p:cNvGraphicFramePr>
-            <a:graphicFrameLocks noGrp="1"/>
-          </p:cNvGraphicFramePr>
-          <p:nvPr>
-            <p:extLst>
-              <p:ext uri="{D42A27DB-BD31-4B8C-83A1-F6EECF244321}">
-                <p14:modId xmlns:p14="http://schemas.microsoft.com/office/powerpoint/2010/main" val="3075132009"/>
-              </p:ext>
-            </p:extLst>
-          </p:nvPr>
-        </p:nvGraphicFramePr>
-        <p:xfrm>
-          <a:off x="6096000" y="1905506"/>
-          <a:ext cx="6480761" cy="2839759"/>
-        </p:xfrm>
-        <a:graphic>
-          <a:graphicData uri="http://schemas.openxmlformats.org/drawingml/2006/table">
-            <a:tbl>
-              <a:tblPr>
-                <a:tableStyleId>{5C22544A-7EE6-4342-B048-85BDC9FD1C3A}</a:tableStyleId>
-              </a:tblPr>
-              <a:tblGrid>
-                <a:gridCol w="1144153">
-                  <a:extLst>
-                    <a:ext uri="{9D8B030D-6E8A-4147-A177-3AD203B41FA5}">
-                      <a16:colId xmlns:a16="http://schemas.microsoft.com/office/drawing/2014/main" val="689264672"/>
-                    </a:ext>
-                  </a:extLst>
-                </a:gridCol>
-                <a:gridCol w="1334152">
-                  <a:extLst>
-                    <a:ext uri="{9D8B030D-6E8A-4147-A177-3AD203B41FA5}">
-                      <a16:colId xmlns:a16="http://schemas.microsoft.com/office/drawing/2014/main" val="2024805648"/>
-                    </a:ext>
-                  </a:extLst>
-                </a:gridCol>
-                <a:gridCol w="1334152">
-                  <a:extLst>
-                    <a:ext uri="{9D8B030D-6E8A-4147-A177-3AD203B41FA5}">
-                      <a16:colId xmlns:a16="http://schemas.microsoft.com/office/drawing/2014/main" val="3269430387"/>
-                    </a:ext>
-                  </a:extLst>
-                </a:gridCol>
-                <a:gridCol w="1334152">
-                  <a:extLst>
-                    <a:ext uri="{9D8B030D-6E8A-4147-A177-3AD203B41FA5}">
-                      <a16:colId xmlns:a16="http://schemas.microsoft.com/office/drawing/2014/main" val="3416526610"/>
-                    </a:ext>
-                  </a:extLst>
-                </a:gridCol>
-                <a:gridCol w="1334152">
-                  <a:extLst>
-                    <a:ext uri="{9D8B030D-6E8A-4147-A177-3AD203B41FA5}">
-                      <a16:colId xmlns:a16="http://schemas.microsoft.com/office/drawing/2014/main" val="247013150"/>
-                    </a:ext>
-                  </a:extLst>
-                </a:gridCol>
-              </a:tblGrid>
-              <a:tr h="325369">
-                <a:tc>
-                  <a:txBody>
-                    <a:bodyPr/>
-                    <a:lstStyle/>
-                    <a:p>
-                      <a:pPr algn="l" fontAlgn="b"/>
-                      <a:r>
-                        <a:rPr lang="en-GB" sz="1200" b="1" u="none" strike="noStrike">
-                          <a:effectLst/>
-                        </a:rPr>
-                        <a:t>Company</a:t>
-                      </a:r>
-                      <a:endParaRPr lang="en-GB" sz="1200" b="1" i="0" u="none" strike="noStrike">
-                        <a:solidFill>
-                          <a:srgbClr val="000000"/>
-                        </a:solidFill>
-                        <a:effectLst/>
-                        <a:latin typeface="Calibri" panose="020F0502020204030204" pitchFamily="34" charset="0"/>
-                      </a:endParaRPr>
-                    </a:p>
-                  </a:txBody>
-                  <a:tcPr marL="5286" marR="5286" marT="5286" marB="0" anchor="b"/>
-                </a:tc>
-                <a:tc>
-                  <a:txBody>
-                    <a:bodyPr/>
-                    <a:lstStyle/>
-                    <a:p>
-                      <a:pPr algn="l" fontAlgn="b"/>
-                      <a:r>
-                        <a:rPr lang="en-GB" sz="1200" b="1" u="none" strike="noStrike">
-                          <a:effectLst/>
-                        </a:rPr>
-                        <a:t>Valuation ($B)</a:t>
-                      </a:r>
-                      <a:endParaRPr lang="en-GB" sz="1200" b="1" i="0" u="none" strike="noStrike">
-                        <a:solidFill>
-                          <a:srgbClr val="000000"/>
-                        </a:solidFill>
-                        <a:effectLst/>
-                        <a:latin typeface="Calibri" panose="020F0502020204030204" pitchFamily="34" charset="0"/>
-                      </a:endParaRPr>
-                    </a:p>
-                  </a:txBody>
-                  <a:tcPr marL="5286" marR="5286" marT="5286" marB="0" anchor="b"/>
-                </a:tc>
-                <a:tc>
-                  <a:txBody>
-                    <a:bodyPr/>
-                    <a:lstStyle/>
-                    <a:p>
-                      <a:pPr algn="l" fontAlgn="b"/>
-                      <a:r>
-                        <a:rPr lang="en-GB" sz="1200" b="1" u="none" strike="noStrike">
-                          <a:effectLst/>
-                        </a:rPr>
-                        <a:t>Date Joined</a:t>
-                      </a:r>
-                      <a:endParaRPr lang="en-GB" sz="1200" b="1" i="0" u="none" strike="noStrike">
-                        <a:solidFill>
-                          <a:srgbClr val="000000"/>
-                        </a:solidFill>
-                        <a:effectLst/>
-                        <a:latin typeface="Calibri" panose="020F0502020204030204" pitchFamily="34" charset="0"/>
-                      </a:endParaRPr>
-                    </a:p>
-                  </a:txBody>
-                  <a:tcPr marL="5286" marR="5286" marT="5286" marB="0" anchor="b"/>
-                </a:tc>
-                <a:tc>
-                  <a:txBody>
-                    <a:bodyPr/>
-                    <a:lstStyle/>
-                    <a:p>
-                      <a:pPr algn="l" fontAlgn="b"/>
-                      <a:r>
-                        <a:rPr lang="en-GB" sz="1200" b="1" u="none" strike="noStrike">
-                          <a:effectLst/>
-                        </a:rPr>
-                        <a:t>Country</a:t>
-                      </a:r>
-                      <a:endParaRPr lang="en-GB" sz="1200" b="1" i="0" u="none" strike="noStrike">
-                        <a:solidFill>
-                          <a:srgbClr val="000000"/>
-                        </a:solidFill>
-                        <a:effectLst/>
-                        <a:latin typeface="Calibri" panose="020F0502020204030204" pitchFamily="34" charset="0"/>
-                      </a:endParaRPr>
-                    </a:p>
-                  </a:txBody>
-                  <a:tcPr marL="5286" marR="5286" marT="5286" marB="0" anchor="b"/>
-                </a:tc>
-                <a:tc>
-                  <a:txBody>
-                    <a:bodyPr/>
-                    <a:lstStyle/>
-                    <a:p>
-                      <a:pPr algn="l" fontAlgn="b"/>
-                      <a:endParaRPr lang="en-GB" sz="1200" b="1" i="0" u="none" strike="noStrike">
-                        <a:solidFill>
-                          <a:srgbClr val="000000"/>
-                        </a:solidFill>
-                        <a:effectLst/>
-                        <a:latin typeface="Calibri" panose="020F0502020204030204" pitchFamily="34" charset="0"/>
-                      </a:endParaRPr>
-                    </a:p>
-                  </a:txBody>
-                  <a:tcPr marL="5286" marR="5286" marT="5286" marB="0" anchor="b"/>
-                </a:tc>
-                <a:extLst>
-                  <a:ext uri="{0D108BD9-81ED-4DB2-BD59-A6C34878D82A}">
-                    <a16:rowId xmlns:a16="http://schemas.microsoft.com/office/drawing/2014/main" val="678807124"/>
-                  </a:ext>
-                </a:extLst>
-              </a:tr>
-              <a:tr h="224695">
-                <a:tc>
-                  <a:txBody>
-                    <a:bodyPr/>
-                    <a:lstStyle/>
-                    <a:p>
-                      <a:pPr algn="l" fontAlgn="b"/>
-                      <a:r>
-                        <a:rPr lang="en-GB" sz="1200" u="none" strike="noStrike">
-                          <a:effectLst/>
-                        </a:rPr>
-                        <a:t>Bytedance</a:t>
-                      </a:r>
-                      <a:endParaRPr lang="en-GB" sz="1200" b="0" i="0" u="none" strike="noStrike">
-                        <a:solidFill>
-                          <a:srgbClr val="000000"/>
-                        </a:solidFill>
-                        <a:effectLst/>
-                        <a:latin typeface="Calibri" panose="020F0502020204030204" pitchFamily="34" charset="0"/>
-                      </a:endParaRPr>
-                    </a:p>
-                  </a:txBody>
-                  <a:tcPr marL="5286" marR="5286" marT="5286" marB="0" anchor="b"/>
-                </a:tc>
-                <a:tc>
-                  <a:txBody>
-                    <a:bodyPr/>
-                    <a:lstStyle/>
-                    <a:p>
-                      <a:pPr algn="l" fontAlgn="b"/>
-                      <a:r>
-                        <a:rPr lang="en-GB" sz="1200" u="none" strike="noStrike">
-                          <a:effectLst/>
-                        </a:rPr>
-                        <a:t>$140</a:t>
-                      </a:r>
-                      <a:endParaRPr lang="en-GB" sz="1200" b="0" i="0" u="none" strike="noStrike">
-                        <a:solidFill>
-                          <a:srgbClr val="000000"/>
-                        </a:solidFill>
-                        <a:effectLst/>
-                        <a:latin typeface="Calibri" panose="020F0502020204030204" pitchFamily="34" charset="0"/>
-                      </a:endParaRPr>
-                    </a:p>
-                  </a:txBody>
-                  <a:tcPr marL="5286" marR="5286" marT="5286" marB="0" anchor="b"/>
-                </a:tc>
-                <a:tc>
-                  <a:txBody>
-                    <a:bodyPr/>
-                    <a:lstStyle/>
-                    <a:p>
-                      <a:pPr algn="l" fontAlgn="b"/>
-                      <a:r>
-                        <a:rPr lang="en-GB" sz="1200" u="none" strike="noStrike">
-                          <a:effectLst/>
-                        </a:rPr>
-                        <a:t>4/7/2017</a:t>
-                      </a:r>
-                      <a:endParaRPr lang="en-GB" sz="1200" b="0" i="0" u="none" strike="noStrike">
-                        <a:solidFill>
-                          <a:srgbClr val="000000"/>
-                        </a:solidFill>
-                        <a:effectLst/>
-                        <a:latin typeface="Calibri" panose="020F0502020204030204" pitchFamily="34" charset="0"/>
-                      </a:endParaRPr>
-                    </a:p>
-                  </a:txBody>
-                  <a:tcPr marL="5286" marR="5286" marT="5286" marB="0" anchor="b"/>
-                </a:tc>
-                <a:tc>
-                  <a:txBody>
-                    <a:bodyPr/>
-                    <a:lstStyle/>
-                    <a:p>
-                      <a:pPr algn="l" fontAlgn="b"/>
-                      <a:r>
-                        <a:rPr lang="en-GB" sz="1200" u="none" strike="noStrike">
-                          <a:effectLst/>
-                        </a:rPr>
-                        <a:t>China</a:t>
-                      </a:r>
-                      <a:endParaRPr lang="en-GB" sz="1200" b="0" i="0" u="none" strike="noStrike">
-                        <a:solidFill>
-                          <a:srgbClr val="000000"/>
-                        </a:solidFill>
-                        <a:effectLst/>
-                        <a:latin typeface="Calibri" panose="020F0502020204030204" pitchFamily="34" charset="0"/>
-                      </a:endParaRPr>
-                    </a:p>
-                  </a:txBody>
-                  <a:tcPr marL="5286" marR="5286" marT="5286" marB="0" anchor="b"/>
-                </a:tc>
-                <a:tc>
-                  <a:txBody>
-                    <a:bodyPr/>
-                    <a:lstStyle/>
-                    <a:p>
-                      <a:pPr algn="l" fontAlgn="b"/>
-                      <a:endParaRPr lang="en-GB" sz="1200" b="0" i="0" u="none" strike="noStrike">
-                        <a:solidFill>
-                          <a:srgbClr val="000000"/>
-                        </a:solidFill>
-                        <a:effectLst/>
-                        <a:latin typeface="Calibri" panose="020F0502020204030204" pitchFamily="34" charset="0"/>
-                      </a:endParaRPr>
-                    </a:p>
-                  </a:txBody>
-                  <a:tcPr marL="5286" marR="5286" marT="5286" marB="0" anchor="b"/>
-                </a:tc>
-                <a:extLst>
-                  <a:ext uri="{0D108BD9-81ED-4DB2-BD59-A6C34878D82A}">
-                    <a16:rowId xmlns:a16="http://schemas.microsoft.com/office/drawing/2014/main" val="2623801640"/>
-                  </a:ext>
-                </a:extLst>
-              </a:tr>
-              <a:tr h="224695">
-                <a:tc>
-                  <a:txBody>
-                    <a:bodyPr/>
-                    <a:lstStyle/>
-                    <a:p>
-                      <a:pPr algn="l" fontAlgn="b"/>
-                      <a:r>
-                        <a:rPr lang="en-GB" sz="1200" u="none" strike="noStrike">
-                          <a:effectLst/>
-                        </a:rPr>
-                        <a:t>SpaceX</a:t>
-                      </a:r>
-                      <a:endParaRPr lang="en-GB" sz="1200" b="0" i="0" u="none" strike="noStrike">
-                        <a:solidFill>
-                          <a:srgbClr val="000000"/>
-                        </a:solidFill>
-                        <a:effectLst/>
-                        <a:latin typeface="Calibri" panose="020F0502020204030204" pitchFamily="34" charset="0"/>
-                      </a:endParaRPr>
-                    </a:p>
-                  </a:txBody>
-                  <a:tcPr marL="5286" marR="5286" marT="5286" marB="0" anchor="b"/>
-                </a:tc>
-                <a:tc>
-                  <a:txBody>
-                    <a:bodyPr/>
-                    <a:lstStyle/>
-                    <a:p>
-                      <a:pPr algn="l" fontAlgn="b"/>
-                      <a:r>
-                        <a:rPr lang="en-GB" sz="1200" u="none" strike="noStrike">
-                          <a:effectLst/>
-                        </a:rPr>
-                        <a:t>$100.3</a:t>
-                      </a:r>
-                      <a:endParaRPr lang="en-GB" sz="1200" b="0" i="0" u="none" strike="noStrike">
-                        <a:solidFill>
-                          <a:srgbClr val="000000"/>
-                        </a:solidFill>
-                        <a:effectLst/>
-                        <a:latin typeface="Calibri" panose="020F0502020204030204" pitchFamily="34" charset="0"/>
-                      </a:endParaRPr>
-                    </a:p>
-                  </a:txBody>
-                  <a:tcPr marL="5286" marR="5286" marT="5286" marB="0" anchor="b"/>
-                </a:tc>
-                <a:tc>
-                  <a:txBody>
-                    <a:bodyPr/>
-                    <a:lstStyle/>
-                    <a:p>
-                      <a:pPr algn="l" fontAlgn="b"/>
-                      <a:r>
-                        <a:rPr lang="en-GB" sz="1200" u="none" strike="noStrike">
-                          <a:effectLst/>
-                        </a:rPr>
-                        <a:t>12/1/2012</a:t>
-                      </a:r>
-                      <a:endParaRPr lang="en-GB" sz="1200" b="0" i="0" u="none" strike="noStrike">
-                        <a:solidFill>
-                          <a:srgbClr val="000000"/>
-                        </a:solidFill>
-                        <a:effectLst/>
-                        <a:latin typeface="Calibri" panose="020F0502020204030204" pitchFamily="34" charset="0"/>
-                      </a:endParaRPr>
-                    </a:p>
-                  </a:txBody>
-                  <a:tcPr marL="5286" marR="5286" marT="5286" marB="0" anchor="b"/>
-                </a:tc>
-                <a:tc gridSpan="2">
-                  <a:txBody>
-                    <a:bodyPr/>
-                    <a:lstStyle/>
-                    <a:p>
-                      <a:pPr algn="l" fontAlgn="b"/>
-                      <a:r>
-                        <a:rPr lang="en-GB" sz="1200" u="none" strike="noStrike">
-                          <a:effectLst/>
-                        </a:rPr>
-                        <a:t>United States</a:t>
-                      </a:r>
-                      <a:endParaRPr lang="en-GB" sz="1200" b="0" i="0" u="none" strike="noStrike">
-                        <a:solidFill>
-                          <a:srgbClr val="000000"/>
-                        </a:solidFill>
-                        <a:effectLst/>
-                        <a:latin typeface="Calibri" panose="020F0502020204030204" pitchFamily="34" charset="0"/>
-                      </a:endParaRPr>
-                    </a:p>
-                  </a:txBody>
-                  <a:tcPr marL="5286" marR="5286" marT="5286" marB="0" anchor="b"/>
-                </a:tc>
-                <a:tc hMerge="1">
-                  <a:txBody>
-                    <a:bodyPr/>
-                    <a:lstStyle/>
-                    <a:p>
-                      <a:endParaRPr lang="en-GB"/>
-                    </a:p>
-                  </a:txBody>
-                  <a:tcPr/>
-                </a:tc>
-                <a:extLst>
-                  <a:ext uri="{0D108BD9-81ED-4DB2-BD59-A6C34878D82A}">
-                    <a16:rowId xmlns:a16="http://schemas.microsoft.com/office/drawing/2014/main" val="3443593110"/>
-                  </a:ext>
-                </a:extLst>
-              </a:tr>
-              <a:tr h="224695">
-                <a:tc>
-                  <a:txBody>
-                    <a:bodyPr/>
-                    <a:lstStyle/>
-                    <a:p>
-                      <a:pPr algn="l" fontAlgn="b"/>
-                      <a:r>
-                        <a:rPr lang="en-GB" sz="1200" u="none" strike="noStrike">
-                          <a:effectLst/>
-                        </a:rPr>
-                        <a:t>Stripe</a:t>
-                      </a:r>
-                      <a:endParaRPr lang="en-GB" sz="1200" b="0" i="0" u="none" strike="noStrike">
-                        <a:solidFill>
-                          <a:srgbClr val="000000"/>
-                        </a:solidFill>
-                        <a:effectLst/>
-                        <a:latin typeface="Calibri" panose="020F0502020204030204" pitchFamily="34" charset="0"/>
-                      </a:endParaRPr>
-                    </a:p>
-                  </a:txBody>
-                  <a:tcPr marL="5286" marR="5286" marT="5286" marB="0" anchor="b"/>
-                </a:tc>
-                <a:tc>
-                  <a:txBody>
-                    <a:bodyPr/>
-                    <a:lstStyle/>
-                    <a:p>
-                      <a:pPr algn="l" fontAlgn="b"/>
-                      <a:r>
-                        <a:rPr lang="en-GB" sz="1200" u="none" strike="noStrike">
-                          <a:effectLst/>
-                        </a:rPr>
-                        <a:t>$95</a:t>
-                      </a:r>
-                      <a:endParaRPr lang="en-GB" sz="1200" b="0" i="0" u="none" strike="noStrike">
-                        <a:solidFill>
-                          <a:srgbClr val="000000"/>
-                        </a:solidFill>
-                        <a:effectLst/>
-                        <a:latin typeface="Calibri" panose="020F0502020204030204" pitchFamily="34" charset="0"/>
-                      </a:endParaRPr>
-                    </a:p>
-                  </a:txBody>
-                  <a:tcPr marL="5286" marR="5286" marT="5286" marB="0" anchor="b"/>
-                </a:tc>
-                <a:tc>
-                  <a:txBody>
-                    <a:bodyPr/>
-                    <a:lstStyle/>
-                    <a:p>
-                      <a:pPr algn="l" fontAlgn="b"/>
-                      <a:r>
-                        <a:rPr lang="en-GB" sz="1200" u="none" strike="noStrike">
-                          <a:effectLst/>
-                        </a:rPr>
-                        <a:t>1/23/2014</a:t>
-                      </a:r>
-                      <a:endParaRPr lang="en-GB" sz="1200" b="0" i="0" u="none" strike="noStrike">
-                        <a:solidFill>
-                          <a:srgbClr val="000000"/>
-                        </a:solidFill>
-                        <a:effectLst/>
-                        <a:latin typeface="Calibri" panose="020F0502020204030204" pitchFamily="34" charset="0"/>
-                      </a:endParaRPr>
-                    </a:p>
-                  </a:txBody>
-                  <a:tcPr marL="5286" marR="5286" marT="5286" marB="0" anchor="b"/>
-                </a:tc>
-                <a:tc gridSpan="2">
-                  <a:txBody>
-                    <a:bodyPr/>
-                    <a:lstStyle/>
-                    <a:p>
-                      <a:pPr algn="l" fontAlgn="b"/>
-                      <a:r>
-                        <a:rPr lang="en-GB" sz="1200" u="none" strike="noStrike">
-                          <a:effectLst/>
-                        </a:rPr>
-                        <a:t>United States</a:t>
-                      </a:r>
-                      <a:endParaRPr lang="en-GB" sz="1200" b="0" i="0" u="none" strike="noStrike">
-                        <a:solidFill>
-                          <a:srgbClr val="000000"/>
-                        </a:solidFill>
-                        <a:effectLst/>
-                        <a:latin typeface="Calibri" panose="020F0502020204030204" pitchFamily="34" charset="0"/>
-                      </a:endParaRPr>
-                    </a:p>
-                  </a:txBody>
-                  <a:tcPr marL="5286" marR="5286" marT="5286" marB="0" anchor="b"/>
-                </a:tc>
-                <a:tc hMerge="1">
-                  <a:txBody>
-                    <a:bodyPr/>
-                    <a:lstStyle/>
-                    <a:p>
-                      <a:endParaRPr lang="en-GB"/>
-                    </a:p>
-                  </a:txBody>
-                  <a:tcPr/>
-                </a:tc>
-                <a:extLst>
-                  <a:ext uri="{0D108BD9-81ED-4DB2-BD59-A6C34878D82A}">
-                    <a16:rowId xmlns:a16="http://schemas.microsoft.com/office/drawing/2014/main" val="3238261768"/>
-                  </a:ext>
-                </a:extLst>
-              </a:tr>
-              <a:tr h="215612">
-                <a:tc>
-                  <a:txBody>
-                    <a:bodyPr/>
-                    <a:lstStyle/>
-                    <a:p>
-                      <a:pPr algn="l" fontAlgn="b"/>
-                      <a:r>
-                        <a:rPr lang="en-GB" sz="1200" u="none" strike="noStrike">
-                          <a:effectLst/>
-                        </a:rPr>
-                        <a:t>Klarna</a:t>
-                      </a:r>
-                      <a:endParaRPr lang="en-GB" sz="1200" b="0" i="0" u="none" strike="noStrike">
-                        <a:solidFill>
-                          <a:srgbClr val="000000"/>
-                        </a:solidFill>
-                        <a:effectLst/>
-                        <a:latin typeface="Calibri" panose="020F0502020204030204" pitchFamily="34" charset="0"/>
-                      </a:endParaRPr>
-                    </a:p>
-                  </a:txBody>
-                  <a:tcPr marL="5286" marR="5286" marT="5286" marB="0" anchor="b"/>
-                </a:tc>
-                <a:tc>
-                  <a:txBody>
-                    <a:bodyPr/>
-                    <a:lstStyle/>
-                    <a:p>
-                      <a:pPr algn="l" fontAlgn="b"/>
-                      <a:r>
-                        <a:rPr lang="en-GB" sz="1200" u="none" strike="noStrike">
-                          <a:effectLst/>
-                        </a:rPr>
-                        <a:t>$45.6</a:t>
-                      </a:r>
-                      <a:endParaRPr lang="en-GB" sz="1200" b="0" i="0" u="none" strike="noStrike">
-                        <a:solidFill>
-                          <a:srgbClr val="000000"/>
-                        </a:solidFill>
-                        <a:effectLst/>
-                        <a:latin typeface="Calibri" panose="020F0502020204030204" pitchFamily="34" charset="0"/>
-                      </a:endParaRPr>
-                    </a:p>
-                  </a:txBody>
-                  <a:tcPr marL="5286" marR="5286" marT="5286" marB="0" anchor="b"/>
-                </a:tc>
-                <a:tc>
-                  <a:txBody>
-                    <a:bodyPr/>
-                    <a:lstStyle/>
-                    <a:p>
-                      <a:pPr algn="l" fontAlgn="b"/>
-                      <a:r>
-                        <a:rPr lang="en-GB" sz="1200" u="none" strike="noStrike">
-                          <a:effectLst/>
-                        </a:rPr>
-                        <a:t>12/12/2011</a:t>
-                      </a:r>
-                      <a:endParaRPr lang="en-GB" sz="1200" b="0" i="0" u="none" strike="noStrike">
-                        <a:solidFill>
-                          <a:srgbClr val="000000"/>
-                        </a:solidFill>
-                        <a:effectLst/>
-                        <a:latin typeface="Calibri" panose="020F0502020204030204" pitchFamily="34" charset="0"/>
-                      </a:endParaRPr>
-                    </a:p>
-                  </a:txBody>
-                  <a:tcPr marL="5286" marR="5286" marT="5286" marB="0" anchor="b"/>
-                </a:tc>
-                <a:tc>
-                  <a:txBody>
-                    <a:bodyPr/>
-                    <a:lstStyle/>
-                    <a:p>
-                      <a:pPr algn="l" fontAlgn="b"/>
-                      <a:r>
-                        <a:rPr lang="en-GB" sz="1200" u="none" strike="noStrike">
-                          <a:effectLst/>
-                        </a:rPr>
-                        <a:t>Sweden</a:t>
-                      </a:r>
-                      <a:endParaRPr lang="en-GB" sz="1200" b="0" i="0" u="none" strike="noStrike">
-                        <a:solidFill>
-                          <a:srgbClr val="000000"/>
-                        </a:solidFill>
-                        <a:effectLst/>
-                        <a:latin typeface="Calibri" panose="020F0502020204030204" pitchFamily="34" charset="0"/>
-                      </a:endParaRPr>
-                    </a:p>
-                  </a:txBody>
-                  <a:tcPr marL="5286" marR="5286" marT="5286" marB="0" anchor="b"/>
-                </a:tc>
-                <a:tc>
-                  <a:txBody>
-                    <a:bodyPr/>
-                    <a:lstStyle/>
-                    <a:p>
-                      <a:pPr algn="l" fontAlgn="b"/>
-                      <a:endParaRPr lang="en-GB" sz="1200" b="0" i="0" u="none" strike="noStrike">
-                        <a:solidFill>
-                          <a:srgbClr val="000000"/>
-                        </a:solidFill>
-                        <a:effectLst/>
-                        <a:latin typeface="Calibri" panose="020F0502020204030204" pitchFamily="34" charset="0"/>
-                      </a:endParaRPr>
-                    </a:p>
-                  </a:txBody>
-                  <a:tcPr marL="5286" marR="5286" marT="5286" marB="0" anchor="b"/>
-                </a:tc>
-                <a:extLst>
-                  <a:ext uri="{0D108BD9-81ED-4DB2-BD59-A6C34878D82A}">
-                    <a16:rowId xmlns:a16="http://schemas.microsoft.com/office/drawing/2014/main" val="3294421581"/>
-                  </a:ext>
-                </a:extLst>
-              </a:tr>
-              <a:tr h="246990">
-                <a:tc>
-                  <a:txBody>
-                    <a:bodyPr/>
-                    <a:lstStyle/>
-                    <a:p>
-                      <a:pPr algn="l" fontAlgn="b"/>
-                      <a:r>
-                        <a:rPr lang="en-GB" sz="1200" u="none" strike="noStrike">
-                          <a:effectLst/>
-                        </a:rPr>
-                        <a:t>Epic Games</a:t>
-                      </a:r>
-                      <a:endParaRPr lang="en-GB" sz="1200" b="0" i="0" u="none" strike="noStrike">
-                        <a:solidFill>
-                          <a:srgbClr val="000000"/>
-                        </a:solidFill>
-                        <a:effectLst/>
-                        <a:latin typeface="Calibri" panose="020F0502020204030204" pitchFamily="34" charset="0"/>
-                      </a:endParaRPr>
-                    </a:p>
-                  </a:txBody>
-                  <a:tcPr marL="5286" marR="5286" marT="5286" marB="0" anchor="b"/>
-                </a:tc>
-                <a:tc>
-                  <a:txBody>
-                    <a:bodyPr/>
-                    <a:lstStyle/>
-                    <a:p>
-                      <a:pPr algn="l" fontAlgn="b"/>
-                      <a:r>
-                        <a:rPr lang="en-GB" sz="1200" u="none" strike="noStrike">
-                          <a:effectLst/>
-                        </a:rPr>
-                        <a:t>$42</a:t>
-                      </a:r>
-                      <a:endParaRPr lang="en-GB" sz="1200" b="0" i="0" u="none" strike="noStrike">
-                        <a:solidFill>
-                          <a:srgbClr val="000000"/>
-                        </a:solidFill>
-                        <a:effectLst/>
-                        <a:latin typeface="Calibri" panose="020F0502020204030204" pitchFamily="34" charset="0"/>
-                      </a:endParaRPr>
-                    </a:p>
-                  </a:txBody>
-                  <a:tcPr marL="5286" marR="5286" marT="5286" marB="0" anchor="b"/>
-                </a:tc>
-                <a:tc>
-                  <a:txBody>
-                    <a:bodyPr/>
-                    <a:lstStyle/>
-                    <a:p>
-                      <a:pPr algn="l" fontAlgn="b"/>
-                      <a:r>
-                        <a:rPr lang="en-GB" sz="1200" u="none" strike="noStrike">
-                          <a:effectLst/>
-                        </a:rPr>
-                        <a:t>10/26/2018</a:t>
-                      </a:r>
-                      <a:endParaRPr lang="en-GB" sz="1200" b="0" i="0" u="none" strike="noStrike">
-                        <a:solidFill>
-                          <a:srgbClr val="000000"/>
-                        </a:solidFill>
-                        <a:effectLst/>
-                        <a:latin typeface="Calibri" panose="020F0502020204030204" pitchFamily="34" charset="0"/>
-                      </a:endParaRPr>
-                    </a:p>
-                  </a:txBody>
-                  <a:tcPr marL="5286" marR="5286" marT="5286" marB="0" anchor="b"/>
-                </a:tc>
-                <a:tc gridSpan="2">
-                  <a:txBody>
-                    <a:bodyPr/>
-                    <a:lstStyle/>
-                    <a:p>
-                      <a:pPr algn="l" fontAlgn="b"/>
-                      <a:r>
-                        <a:rPr lang="en-GB" sz="1200" u="none" strike="noStrike">
-                          <a:effectLst/>
-                        </a:rPr>
-                        <a:t>United States</a:t>
-                      </a:r>
-                      <a:endParaRPr lang="en-GB" sz="1200" b="0" i="0" u="none" strike="noStrike">
-                        <a:solidFill>
-                          <a:srgbClr val="000000"/>
-                        </a:solidFill>
-                        <a:effectLst/>
-                        <a:latin typeface="Calibri" panose="020F0502020204030204" pitchFamily="34" charset="0"/>
-                      </a:endParaRPr>
-                    </a:p>
-                  </a:txBody>
-                  <a:tcPr marL="5286" marR="5286" marT="5286" marB="0" anchor="b"/>
-                </a:tc>
-                <a:tc hMerge="1">
-                  <a:txBody>
-                    <a:bodyPr/>
-                    <a:lstStyle/>
-                    <a:p>
-                      <a:endParaRPr lang="en-GB"/>
-                    </a:p>
-                  </a:txBody>
-                  <a:tcPr/>
-                </a:tc>
-                <a:extLst>
-                  <a:ext uri="{0D108BD9-81ED-4DB2-BD59-A6C34878D82A}">
-                    <a16:rowId xmlns:a16="http://schemas.microsoft.com/office/drawing/2014/main" val="3655231650"/>
-                  </a:ext>
-                </a:extLst>
-              </a:tr>
-              <a:tr h="224695">
-                <a:tc>
-                  <a:txBody>
-                    <a:bodyPr/>
-                    <a:lstStyle/>
-                    <a:p>
-                      <a:pPr algn="l" fontAlgn="b"/>
-                      <a:r>
-                        <a:rPr lang="en-GB" sz="1200" u="none" strike="noStrike">
-                          <a:effectLst/>
-                        </a:rPr>
-                        <a:t>Canva</a:t>
-                      </a:r>
-                      <a:endParaRPr lang="en-GB" sz="1200" b="0" i="0" u="none" strike="noStrike">
-                        <a:solidFill>
-                          <a:srgbClr val="000000"/>
-                        </a:solidFill>
-                        <a:effectLst/>
-                        <a:latin typeface="Calibri" panose="020F0502020204030204" pitchFamily="34" charset="0"/>
-                      </a:endParaRPr>
-                    </a:p>
-                  </a:txBody>
-                  <a:tcPr marL="5286" marR="5286" marT="5286" marB="0" anchor="b"/>
-                </a:tc>
-                <a:tc>
-                  <a:txBody>
-                    <a:bodyPr/>
-                    <a:lstStyle/>
-                    <a:p>
-                      <a:pPr algn="l" fontAlgn="b"/>
-                      <a:r>
-                        <a:rPr lang="en-GB" sz="1200" u="none" strike="noStrike">
-                          <a:effectLst/>
-                        </a:rPr>
-                        <a:t>$40</a:t>
-                      </a:r>
-                      <a:endParaRPr lang="en-GB" sz="1200" b="0" i="0" u="none" strike="noStrike">
-                        <a:solidFill>
-                          <a:srgbClr val="000000"/>
-                        </a:solidFill>
-                        <a:effectLst/>
-                        <a:latin typeface="Calibri" panose="020F0502020204030204" pitchFamily="34" charset="0"/>
-                      </a:endParaRPr>
-                    </a:p>
-                  </a:txBody>
-                  <a:tcPr marL="5286" marR="5286" marT="5286" marB="0" anchor="b"/>
-                </a:tc>
-                <a:tc>
-                  <a:txBody>
-                    <a:bodyPr/>
-                    <a:lstStyle/>
-                    <a:p>
-                      <a:pPr algn="l" fontAlgn="b"/>
-                      <a:r>
-                        <a:rPr lang="en-GB" sz="1200" u="none" strike="noStrike">
-                          <a:effectLst/>
-                        </a:rPr>
-                        <a:t>1/8/2018</a:t>
-                      </a:r>
-                      <a:endParaRPr lang="en-GB" sz="1200" b="0" i="0" u="none" strike="noStrike">
-                        <a:solidFill>
-                          <a:srgbClr val="000000"/>
-                        </a:solidFill>
-                        <a:effectLst/>
-                        <a:latin typeface="Calibri" panose="020F0502020204030204" pitchFamily="34" charset="0"/>
-                      </a:endParaRPr>
-                    </a:p>
-                  </a:txBody>
-                  <a:tcPr marL="5286" marR="5286" marT="5286" marB="0" anchor="b"/>
-                </a:tc>
-                <a:tc>
-                  <a:txBody>
-                    <a:bodyPr/>
-                    <a:lstStyle/>
-                    <a:p>
-                      <a:pPr algn="l" fontAlgn="b"/>
-                      <a:r>
-                        <a:rPr lang="en-GB" sz="1200" u="none" strike="noStrike">
-                          <a:effectLst/>
-                        </a:rPr>
-                        <a:t>Australia</a:t>
-                      </a:r>
-                      <a:endParaRPr lang="en-GB" sz="1200" b="0" i="0" u="none" strike="noStrike">
-                        <a:solidFill>
-                          <a:srgbClr val="000000"/>
-                        </a:solidFill>
-                        <a:effectLst/>
-                        <a:latin typeface="Calibri" panose="020F0502020204030204" pitchFamily="34" charset="0"/>
-                      </a:endParaRPr>
-                    </a:p>
-                  </a:txBody>
-                  <a:tcPr marL="5286" marR="5286" marT="5286" marB="0" anchor="b"/>
-                </a:tc>
-                <a:tc>
-                  <a:txBody>
-                    <a:bodyPr/>
-                    <a:lstStyle/>
-                    <a:p>
-                      <a:pPr algn="l" fontAlgn="b"/>
-                      <a:endParaRPr lang="en-GB" sz="1200" b="0" i="0" u="none" strike="noStrike">
-                        <a:solidFill>
-                          <a:srgbClr val="000000"/>
-                        </a:solidFill>
-                        <a:effectLst/>
-                        <a:latin typeface="Calibri" panose="020F0502020204030204" pitchFamily="34" charset="0"/>
-                      </a:endParaRPr>
-                    </a:p>
-                  </a:txBody>
-                  <a:tcPr marL="5286" marR="5286" marT="5286" marB="0" anchor="b"/>
-                </a:tc>
-                <a:extLst>
-                  <a:ext uri="{0D108BD9-81ED-4DB2-BD59-A6C34878D82A}">
-                    <a16:rowId xmlns:a16="http://schemas.microsoft.com/office/drawing/2014/main" val="1230431584"/>
-                  </a:ext>
-                </a:extLst>
-              </a:tr>
-              <a:tr h="263311">
-                <a:tc>
-                  <a:txBody>
-                    <a:bodyPr/>
-                    <a:lstStyle/>
-                    <a:p>
-                      <a:pPr algn="l" fontAlgn="b"/>
-                      <a:r>
-                        <a:rPr lang="en-GB" sz="1200" u="none" strike="noStrike">
-                          <a:effectLst/>
-                        </a:rPr>
-                        <a:t>Checkout.com</a:t>
-                      </a:r>
-                      <a:endParaRPr lang="en-GB" sz="1200" b="0" i="0" u="none" strike="noStrike">
-                        <a:solidFill>
-                          <a:srgbClr val="000000"/>
-                        </a:solidFill>
-                        <a:effectLst/>
-                        <a:latin typeface="Calibri" panose="020F0502020204030204" pitchFamily="34" charset="0"/>
-                      </a:endParaRPr>
-                    </a:p>
-                  </a:txBody>
-                  <a:tcPr marL="5286" marR="5286" marT="5286" marB="0" anchor="b"/>
-                </a:tc>
-                <a:tc>
-                  <a:txBody>
-                    <a:bodyPr/>
-                    <a:lstStyle/>
-                    <a:p>
-                      <a:pPr algn="l" fontAlgn="b"/>
-                      <a:r>
-                        <a:rPr lang="en-GB" sz="1200" u="none" strike="noStrike">
-                          <a:effectLst/>
-                        </a:rPr>
-                        <a:t>$40</a:t>
-                      </a:r>
-                      <a:endParaRPr lang="en-GB" sz="1200" b="0" i="0" u="none" strike="noStrike">
-                        <a:solidFill>
-                          <a:srgbClr val="000000"/>
-                        </a:solidFill>
-                        <a:effectLst/>
-                        <a:latin typeface="Calibri" panose="020F0502020204030204" pitchFamily="34" charset="0"/>
-                      </a:endParaRPr>
-                    </a:p>
-                  </a:txBody>
-                  <a:tcPr marL="5286" marR="5286" marT="5286" marB="0" anchor="b"/>
-                </a:tc>
-                <a:tc>
-                  <a:txBody>
-                    <a:bodyPr/>
-                    <a:lstStyle/>
-                    <a:p>
-                      <a:pPr algn="l" fontAlgn="b"/>
-                      <a:r>
-                        <a:rPr lang="en-GB" sz="1200" u="none" strike="noStrike">
-                          <a:effectLst/>
-                        </a:rPr>
-                        <a:t>5/2/2019</a:t>
-                      </a:r>
-                      <a:endParaRPr lang="en-GB" sz="1200" b="0" i="0" u="none" strike="noStrike">
-                        <a:solidFill>
-                          <a:srgbClr val="000000"/>
-                        </a:solidFill>
-                        <a:effectLst/>
-                        <a:latin typeface="Calibri" panose="020F0502020204030204" pitchFamily="34" charset="0"/>
-                      </a:endParaRPr>
-                    </a:p>
-                  </a:txBody>
-                  <a:tcPr marL="5286" marR="5286" marT="5286" marB="0" anchor="b"/>
-                </a:tc>
-                <a:tc gridSpan="2">
-                  <a:txBody>
-                    <a:bodyPr/>
-                    <a:lstStyle/>
-                    <a:p>
-                      <a:pPr algn="l" fontAlgn="b"/>
-                      <a:r>
-                        <a:rPr lang="en-GB" sz="1200" u="none" strike="noStrike">
-                          <a:effectLst/>
-                        </a:rPr>
-                        <a:t>United Kingdom</a:t>
-                      </a:r>
-                      <a:endParaRPr lang="en-GB" sz="1200" b="0" i="0" u="none" strike="noStrike">
-                        <a:solidFill>
-                          <a:srgbClr val="000000"/>
-                        </a:solidFill>
-                        <a:effectLst/>
-                        <a:latin typeface="Calibri" panose="020F0502020204030204" pitchFamily="34" charset="0"/>
-                      </a:endParaRPr>
-                    </a:p>
-                  </a:txBody>
-                  <a:tcPr marL="5286" marR="5286" marT="5286" marB="0" anchor="b"/>
-                </a:tc>
-                <a:tc hMerge="1">
-                  <a:txBody>
-                    <a:bodyPr/>
-                    <a:lstStyle/>
-                    <a:p>
-                      <a:endParaRPr lang="en-GB"/>
-                    </a:p>
-                  </a:txBody>
-                  <a:tcPr/>
-                </a:tc>
-                <a:extLst>
-                  <a:ext uri="{0D108BD9-81ED-4DB2-BD59-A6C34878D82A}">
-                    <a16:rowId xmlns:a16="http://schemas.microsoft.com/office/drawing/2014/main" val="3320254073"/>
-                  </a:ext>
-                </a:extLst>
-              </a:tr>
-              <a:tr h="215612">
-                <a:tc>
-                  <a:txBody>
-                    <a:bodyPr/>
-                    <a:lstStyle/>
-                    <a:p>
-                      <a:pPr algn="l" fontAlgn="b"/>
-                      <a:r>
-                        <a:rPr lang="en-GB" sz="1200" u="none" strike="noStrike">
-                          <a:effectLst/>
-                        </a:rPr>
-                        <a:t>Instacart</a:t>
-                      </a:r>
-                      <a:endParaRPr lang="en-GB" sz="1200" b="0" i="0" u="none" strike="noStrike">
-                        <a:solidFill>
-                          <a:srgbClr val="000000"/>
-                        </a:solidFill>
-                        <a:effectLst/>
-                        <a:latin typeface="Calibri" panose="020F0502020204030204" pitchFamily="34" charset="0"/>
-                      </a:endParaRPr>
-                    </a:p>
-                  </a:txBody>
-                  <a:tcPr marL="5286" marR="5286" marT="5286" marB="0" anchor="b"/>
-                </a:tc>
-                <a:tc>
-                  <a:txBody>
-                    <a:bodyPr/>
-                    <a:lstStyle/>
-                    <a:p>
-                      <a:pPr algn="l" fontAlgn="b"/>
-                      <a:r>
-                        <a:rPr lang="en-GB" sz="1200" u="none" strike="noStrike">
-                          <a:effectLst/>
-                        </a:rPr>
-                        <a:t>$39</a:t>
-                      </a:r>
-                      <a:endParaRPr lang="en-GB" sz="1200" b="0" i="0" u="none" strike="noStrike">
-                        <a:solidFill>
-                          <a:srgbClr val="000000"/>
-                        </a:solidFill>
-                        <a:effectLst/>
-                        <a:latin typeface="Calibri" panose="020F0502020204030204" pitchFamily="34" charset="0"/>
-                      </a:endParaRPr>
-                    </a:p>
-                  </a:txBody>
-                  <a:tcPr marL="5286" marR="5286" marT="5286" marB="0" anchor="b"/>
-                </a:tc>
-                <a:tc>
-                  <a:txBody>
-                    <a:bodyPr/>
-                    <a:lstStyle/>
-                    <a:p>
-                      <a:pPr algn="l" fontAlgn="b"/>
-                      <a:r>
-                        <a:rPr lang="en-GB" sz="1200" u="none" strike="noStrike">
-                          <a:effectLst/>
-                        </a:rPr>
-                        <a:t>12/30/2014</a:t>
-                      </a:r>
-                      <a:endParaRPr lang="en-GB" sz="1200" b="0" i="0" u="none" strike="noStrike">
-                        <a:solidFill>
-                          <a:srgbClr val="000000"/>
-                        </a:solidFill>
-                        <a:effectLst/>
-                        <a:latin typeface="Calibri" panose="020F0502020204030204" pitchFamily="34" charset="0"/>
-                      </a:endParaRPr>
-                    </a:p>
-                  </a:txBody>
-                  <a:tcPr marL="5286" marR="5286" marT="5286" marB="0" anchor="b"/>
-                </a:tc>
-                <a:tc gridSpan="2">
-                  <a:txBody>
-                    <a:bodyPr/>
-                    <a:lstStyle/>
-                    <a:p>
-                      <a:pPr algn="l" fontAlgn="b"/>
-                      <a:r>
-                        <a:rPr lang="en-GB" sz="1200" u="none" strike="noStrike">
-                          <a:effectLst/>
-                        </a:rPr>
-                        <a:t>United States</a:t>
-                      </a:r>
-                      <a:endParaRPr lang="en-GB" sz="1200" b="0" i="0" u="none" strike="noStrike">
-                        <a:solidFill>
-                          <a:srgbClr val="000000"/>
-                        </a:solidFill>
-                        <a:effectLst/>
-                        <a:latin typeface="Calibri" panose="020F0502020204030204" pitchFamily="34" charset="0"/>
-                      </a:endParaRPr>
-                    </a:p>
-                  </a:txBody>
-                  <a:tcPr marL="5286" marR="5286" marT="5286" marB="0" anchor="b"/>
-                </a:tc>
-                <a:tc hMerge="1">
-                  <a:txBody>
-                    <a:bodyPr/>
-                    <a:lstStyle/>
-                    <a:p>
-                      <a:endParaRPr lang="en-GB"/>
-                    </a:p>
-                  </a:txBody>
-                  <a:tcPr/>
-                </a:tc>
-                <a:extLst>
-                  <a:ext uri="{0D108BD9-81ED-4DB2-BD59-A6C34878D82A}">
-                    <a16:rowId xmlns:a16="http://schemas.microsoft.com/office/drawing/2014/main" val="3538045890"/>
-                  </a:ext>
-                </a:extLst>
-              </a:tr>
-              <a:tr h="224695">
-                <a:tc>
-                  <a:txBody>
-                    <a:bodyPr/>
-                    <a:lstStyle/>
-                    <a:p>
-                      <a:pPr algn="l" fontAlgn="b"/>
-                      <a:r>
-                        <a:rPr lang="en-GB" sz="1200" u="none" strike="noStrike">
-                          <a:effectLst/>
-                        </a:rPr>
-                        <a:t>Databricks</a:t>
-                      </a:r>
-                      <a:endParaRPr lang="en-GB" sz="1200" b="0" i="0" u="none" strike="noStrike">
-                        <a:solidFill>
-                          <a:srgbClr val="000000"/>
-                        </a:solidFill>
-                        <a:effectLst/>
-                        <a:latin typeface="Calibri" panose="020F0502020204030204" pitchFamily="34" charset="0"/>
-                      </a:endParaRPr>
-                    </a:p>
-                  </a:txBody>
-                  <a:tcPr marL="5286" marR="5286" marT="5286" marB="0" anchor="b"/>
-                </a:tc>
-                <a:tc>
-                  <a:txBody>
-                    <a:bodyPr/>
-                    <a:lstStyle/>
-                    <a:p>
-                      <a:pPr algn="l" fontAlgn="b"/>
-                      <a:r>
-                        <a:rPr lang="en-GB" sz="1200" u="none" strike="noStrike">
-                          <a:effectLst/>
-                        </a:rPr>
-                        <a:t>$38</a:t>
-                      </a:r>
-                      <a:endParaRPr lang="en-GB" sz="1200" b="0" i="0" u="none" strike="noStrike">
-                        <a:solidFill>
-                          <a:srgbClr val="000000"/>
-                        </a:solidFill>
-                        <a:effectLst/>
-                        <a:latin typeface="Calibri" panose="020F0502020204030204" pitchFamily="34" charset="0"/>
-                      </a:endParaRPr>
-                    </a:p>
-                  </a:txBody>
-                  <a:tcPr marL="5286" marR="5286" marT="5286" marB="0" anchor="b"/>
-                </a:tc>
-                <a:tc>
-                  <a:txBody>
-                    <a:bodyPr/>
-                    <a:lstStyle/>
-                    <a:p>
-                      <a:pPr algn="l" fontAlgn="b"/>
-                      <a:r>
-                        <a:rPr lang="en-GB" sz="1200" u="none" strike="noStrike">
-                          <a:effectLst/>
-                        </a:rPr>
-                        <a:t>2/5/2019</a:t>
-                      </a:r>
-                      <a:endParaRPr lang="en-GB" sz="1200" b="0" i="0" u="none" strike="noStrike">
-                        <a:solidFill>
-                          <a:srgbClr val="000000"/>
-                        </a:solidFill>
-                        <a:effectLst/>
-                        <a:latin typeface="Calibri" panose="020F0502020204030204" pitchFamily="34" charset="0"/>
-                      </a:endParaRPr>
-                    </a:p>
-                  </a:txBody>
-                  <a:tcPr marL="5286" marR="5286" marT="5286" marB="0" anchor="b"/>
-                </a:tc>
-                <a:tc gridSpan="2">
-                  <a:txBody>
-                    <a:bodyPr/>
-                    <a:lstStyle/>
-                    <a:p>
-                      <a:pPr algn="l" fontAlgn="b"/>
-                      <a:r>
-                        <a:rPr lang="en-GB" sz="1200" u="none" strike="noStrike">
-                          <a:effectLst/>
-                        </a:rPr>
-                        <a:t>United States</a:t>
-                      </a:r>
-                      <a:endParaRPr lang="en-GB" sz="1200" b="0" i="0" u="none" strike="noStrike">
-                        <a:solidFill>
-                          <a:srgbClr val="000000"/>
-                        </a:solidFill>
-                        <a:effectLst/>
-                        <a:latin typeface="Calibri" panose="020F0502020204030204" pitchFamily="34" charset="0"/>
-                      </a:endParaRPr>
-                    </a:p>
-                  </a:txBody>
-                  <a:tcPr marL="5286" marR="5286" marT="5286" marB="0" anchor="b"/>
-                </a:tc>
-                <a:tc hMerge="1">
-                  <a:txBody>
-                    <a:bodyPr/>
-                    <a:lstStyle/>
-                    <a:p>
-                      <a:endParaRPr lang="en-GB"/>
-                    </a:p>
-                  </a:txBody>
-                  <a:tcPr/>
-                </a:tc>
-                <a:extLst>
-                  <a:ext uri="{0D108BD9-81ED-4DB2-BD59-A6C34878D82A}">
-                    <a16:rowId xmlns:a16="http://schemas.microsoft.com/office/drawing/2014/main" val="3379435483"/>
-                  </a:ext>
-                </a:extLst>
-              </a:tr>
-              <a:tr h="224695">
-                <a:tc>
-                  <a:txBody>
-                    <a:bodyPr/>
-                    <a:lstStyle/>
-                    <a:p>
-                      <a:pPr algn="l" fontAlgn="b"/>
-                      <a:r>
-                        <a:rPr lang="en-GB" sz="1200" u="none" strike="noStrike">
-                          <a:effectLst/>
-                        </a:rPr>
-                        <a:t>Revolut</a:t>
-                      </a:r>
-                      <a:endParaRPr lang="en-GB" sz="1200" b="0" i="0" u="none" strike="noStrike">
-                        <a:solidFill>
-                          <a:srgbClr val="000000"/>
-                        </a:solidFill>
-                        <a:effectLst/>
-                        <a:latin typeface="Calibri" panose="020F0502020204030204" pitchFamily="34" charset="0"/>
-                      </a:endParaRPr>
-                    </a:p>
-                  </a:txBody>
-                  <a:tcPr marL="5286" marR="5286" marT="5286" marB="0" anchor="b"/>
-                </a:tc>
-                <a:tc>
-                  <a:txBody>
-                    <a:bodyPr/>
-                    <a:lstStyle/>
-                    <a:p>
-                      <a:pPr algn="l" fontAlgn="b"/>
-                      <a:r>
-                        <a:rPr lang="en-GB" sz="1200" u="none" strike="noStrike">
-                          <a:effectLst/>
-                        </a:rPr>
-                        <a:t>$33</a:t>
-                      </a:r>
-                      <a:endParaRPr lang="en-GB" sz="1200" b="0" i="0" u="none" strike="noStrike">
-                        <a:solidFill>
-                          <a:srgbClr val="000000"/>
-                        </a:solidFill>
-                        <a:effectLst/>
-                        <a:latin typeface="Calibri" panose="020F0502020204030204" pitchFamily="34" charset="0"/>
-                      </a:endParaRPr>
-                    </a:p>
-                  </a:txBody>
-                  <a:tcPr marL="5286" marR="5286" marT="5286" marB="0" anchor="b"/>
-                </a:tc>
-                <a:tc>
-                  <a:txBody>
-                    <a:bodyPr/>
-                    <a:lstStyle/>
-                    <a:p>
-                      <a:pPr algn="l" fontAlgn="b"/>
-                      <a:r>
-                        <a:rPr lang="en-GB" sz="1200" u="none" strike="noStrike">
-                          <a:effectLst/>
-                        </a:rPr>
-                        <a:t>4/26/2018</a:t>
-                      </a:r>
-                      <a:endParaRPr lang="en-GB" sz="1200" b="0" i="0" u="none" strike="noStrike">
-                        <a:solidFill>
-                          <a:srgbClr val="000000"/>
-                        </a:solidFill>
-                        <a:effectLst/>
-                        <a:latin typeface="Calibri" panose="020F0502020204030204" pitchFamily="34" charset="0"/>
-                      </a:endParaRPr>
-                    </a:p>
-                  </a:txBody>
-                  <a:tcPr marL="5286" marR="5286" marT="5286" marB="0" anchor="b"/>
-                </a:tc>
-                <a:tc gridSpan="2">
-                  <a:txBody>
-                    <a:bodyPr/>
-                    <a:lstStyle/>
-                    <a:p>
-                      <a:pPr algn="l" fontAlgn="b"/>
-                      <a:r>
-                        <a:rPr lang="en-GB" sz="1200" u="none" strike="noStrike">
-                          <a:effectLst/>
-                        </a:rPr>
-                        <a:t>United Kingdom</a:t>
-                      </a:r>
-                      <a:endParaRPr lang="en-GB" sz="1200" b="0" i="0" u="none" strike="noStrike">
-                        <a:solidFill>
-                          <a:srgbClr val="000000"/>
-                        </a:solidFill>
-                        <a:effectLst/>
-                        <a:latin typeface="Calibri" panose="020F0502020204030204" pitchFamily="34" charset="0"/>
-                      </a:endParaRPr>
-                    </a:p>
-                  </a:txBody>
-                  <a:tcPr marL="5286" marR="5286" marT="5286" marB="0" anchor="b"/>
-                </a:tc>
-                <a:tc hMerge="1">
-                  <a:txBody>
-                    <a:bodyPr/>
-                    <a:lstStyle/>
-                    <a:p>
-                      <a:endParaRPr lang="en-GB"/>
-                    </a:p>
-                  </a:txBody>
-                  <a:tcPr/>
-                </a:tc>
-                <a:extLst>
-                  <a:ext uri="{0D108BD9-81ED-4DB2-BD59-A6C34878D82A}">
-                    <a16:rowId xmlns:a16="http://schemas.microsoft.com/office/drawing/2014/main" val="1198607929"/>
-                  </a:ext>
-                </a:extLst>
-              </a:tr>
-              <a:tr h="224695">
-                <a:tc>
-                  <a:txBody>
-                    <a:bodyPr/>
-                    <a:lstStyle/>
-                    <a:p>
-                      <a:pPr algn="l" fontAlgn="b"/>
-                      <a:r>
-                        <a:rPr lang="en-GB" sz="1200" u="none" strike="noStrike">
-                          <a:effectLst/>
-                        </a:rPr>
-                        <a:t>Chime</a:t>
-                      </a:r>
-                      <a:endParaRPr lang="en-GB" sz="1200" b="0" i="0" u="none" strike="noStrike">
-                        <a:solidFill>
-                          <a:srgbClr val="000000"/>
-                        </a:solidFill>
-                        <a:effectLst/>
-                        <a:latin typeface="Calibri" panose="020F0502020204030204" pitchFamily="34" charset="0"/>
-                      </a:endParaRPr>
-                    </a:p>
-                  </a:txBody>
-                  <a:tcPr marL="5286" marR="5286" marT="5286" marB="0" anchor="b"/>
-                </a:tc>
-                <a:tc>
-                  <a:txBody>
-                    <a:bodyPr/>
-                    <a:lstStyle/>
-                    <a:p>
-                      <a:pPr algn="l" fontAlgn="b"/>
-                      <a:r>
-                        <a:rPr lang="en-GB" sz="1200" u="none" strike="noStrike">
-                          <a:effectLst/>
-                        </a:rPr>
-                        <a:t>$25</a:t>
-                      </a:r>
-                      <a:endParaRPr lang="en-GB" sz="1200" b="0" i="0" u="none" strike="noStrike">
-                        <a:solidFill>
-                          <a:srgbClr val="000000"/>
-                        </a:solidFill>
-                        <a:effectLst/>
-                        <a:latin typeface="Calibri" panose="020F0502020204030204" pitchFamily="34" charset="0"/>
-                      </a:endParaRPr>
-                    </a:p>
-                  </a:txBody>
-                  <a:tcPr marL="5286" marR="5286" marT="5286" marB="0" anchor="b"/>
-                </a:tc>
-                <a:tc>
-                  <a:txBody>
-                    <a:bodyPr/>
-                    <a:lstStyle/>
-                    <a:p>
-                      <a:pPr algn="l" fontAlgn="b"/>
-                      <a:r>
-                        <a:rPr lang="en-GB" sz="1200" u="none" strike="noStrike">
-                          <a:effectLst/>
-                        </a:rPr>
-                        <a:t>3/5/2019</a:t>
-                      </a:r>
-                      <a:endParaRPr lang="en-GB" sz="1200" b="0" i="0" u="none" strike="noStrike">
-                        <a:solidFill>
-                          <a:srgbClr val="000000"/>
-                        </a:solidFill>
-                        <a:effectLst/>
-                        <a:latin typeface="Calibri" panose="020F0502020204030204" pitchFamily="34" charset="0"/>
-                      </a:endParaRPr>
-                    </a:p>
-                  </a:txBody>
-                  <a:tcPr marL="5286" marR="5286" marT="5286" marB="0" anchor="b"/>
-                </a:tc>
-                <a:tc gridSpan="2">
-                  <a:txBody>
-                    <a:bodyPr/>
-                    <a:lstStyle/>
-                    <a:p>
-                      <a:pPr algn="l" fontAlgn="b"/>
-                      <a:r>
-                        <a:rPr lang="en-GB" sz="1200" u="none" strike="noStrike">
-                          <a:effectLst/>
-                        </a:rPr>
-                        <a:t>United States</a:t>
-                      </a:r>
-                      <a:endParaRPr lang="en-GB" sz="1200" b="0" i="0" u="none" strike="noStrike">
-                        <a:solidFill>
-                          <a:srgbClr val="000000"/>
-                        </a:solidFill>
-                        <a:effectLst/>
-                        <a:latin typeface="Calibri" panose="020F0502020204030204" pitchFamily="34" charset="0"/>
-                      </a:endParaRPr>
-                    </a:p>
-                  </a:txBody>
-                  <a:tcPr marL="5286" marR="5286" marT="5286" marB="0" anchor="b"/>
-                </a:tc>
-                <a:tc hMerge="1">
-                  <a:txBody>
-                    <a:bodyPr/>
-                    <a:lstStyle/>
-                    <a:p>
-                      <a:endParaRPr lang="en-GB"/>
-                    </a:p>
-                  </a:txBody>
-                  <a:tcPr/>
-                </a:tc>
-                <a:extLst>
-                  <a:ext uri="{0D108BD9-81ED-4DB2-BD59-A6C34878D82A}">
-                    <a16:rowId xmlns:a16="http://schemas.microsoft.com/office/drawing/2014/main" val="3157507781"/>
-                  </a:ext>
-                </a:extLst>
-              </a:tr>
-            </a:tbl>
-          </a:graphicData>
-        </a:graphic>
-      </p:graphicFrame>
       <p:sp>
         <p:nvSpPr>
           <p:cNvPr id="14" name="TextBox 13">
@@ -14115,8 +11549,8 @@
         </p:nvSpPr>
         <p:spPr>
           <a:xfrm>
-            <a:off x="589799" y="1905506"/>
-            <a:ext cx="4860975" cy="3046988"/>
+            <a:off x="403533" y="2388106"/>
+            <a:ext cx="10646881" cy="1569660"/>
           </a:xfrm>
           <a:prstGeom prst="rect">
             <a:avLst/>
@@ -14130,108 +11564,44 @@
           <a:lstStyle/>
           <a:p>
             <a:r>
-              <a:rPr lang="en-GB" sz="2400">
+              <a:rPr lang="en-GB" sz="2400" dirty="0">
                 <a:solidFill>
                   <a:srgbClr val="FF0000"/>
                 </a:solidFill>
               </a:rPr>
-              <a:t>Include a sample of your .csv/</a:t>
-            </a:r>
-            <a:r>
-              <a:rPr lang="en-GB" sz="2400" err="1">
+              <a:t>The dataset has 756 rows and the variables we use are </a:t>
+            </a:r>
+            <a:r>
+              <a:rPr lang="en-US" sz="2400" b="1" dirty="0">
                 <a:solidFill>
                   <a:srgbClr val="FF0000"/>
                 </a:solidFill>
               </a:rPr>
-              <a:t>xlxs</a:t>
-            </a:r>
-            <a:r>
-              <a:rPr lang="en-GB" sz="2400">
+              <a:t>Confirmatory and Presumptive Lab Percent Positive (Daily)</a:t>
+            </a:r>
+            <a:r>
+              <a:rPr lang="en-GB" sz="2400" dirty="0">
                 <a:solidFill>
                   <a:srgbClr val="FF0000"/>
                 </a:solidFill>
               </a:rPr>
-              <a:t> dataset file to include column names (variables) in your RQ</a:t>
-            </a:r>
-            <a:r>
-              <a:rPr lang="en-GB" sz="2400" baseline="30000">
+              <a:t>(dependent variable) and </a:t>
+            </a:r>
+            <a:r>
+              <a:rPr lang="en-US" sz="2400" b="1" dirty="0">
                 <a:solidFill>
                   <a:srgbClr val="FF0000"/>
                 </a:solidFill>
               </a:rPr>
-              <a:t>2</a:t>
-            </a:r>
-            <a:r>
-              <a:rPr lang="en-GB" sz="2400">
+              <a:t>Confirmatory and Presumptive Lab Total Tested (Daily)</a:t>
+            </a:r>
+            <a:r>
+              <a:rPr lang="en-GB" sz="2400" dirty="0">
                 <a:solidFill>
                   <a:srgbClr val="FF0000"/>
                 </a:solidFill>
               </a:rPr>
-              <a:t>. Include number of rows: E.g. “the dataset has 655 rows and the variables we use are </a:t>
-            </a:r>
-            <a:r>
-              <a:rPr lang="en-GB" sz="2400" b="1">
-                <a:solidFill>
-                  <a:srgbClr val="FF0000"/>
-                </a:solidFill>
-              </a:rPr>
-              <a:t>Valuation </a:t>
-            </a:r>
-            <a:r>
-              <a:rPr lang="en-GB" sz="2400">
-                <a:solidFill>
-                  <a:srgbClr val="FF0000"/>
-                </a:solidFill>
-              </a:rPr>
-              <a:t>(dependent variable</a:t>
-            </a:r>
-            <a:r>
-              <a:rPr lang="en-GB" sz="2400" baseline="30000">
-                <a:solidFill>
-                  <a:srgbClr val="FF0000"/>
-                </a:solidFill>
-              </a:rPr>
-              <a:t>3</a:t>
-            </a:r>
-            <a:r>
-              <a:rPr lang="en-GB" sz="2400">
-                <a:solidFill>
-                  <a:srgbClr val="FF0000"/>
-                </a:solidFill>
-              </a:rPr>
-              <a:t>) and </a:t>
-            </a:r>
-            <a:r>
-              <a:rPr lang="en-GB" sz="2400" b="1">
-                <a:solidFill>
-                  <a:srgbClr val="FF0000"/>
-                </a:solidFill>
-              </a:rPr>
-              <a:t>Country</a:t>
-            </a:r>
-            <a:r>
-              <a:rPr lang="en-GB" sz="2400">
-                <a:solidFill>
-                  <a:srgbClr val="FF0000"/>
-                </a:solidFill>
-              </a:rPr>
-              <a:t> (independent variable</a:t>
-            </a:r>
-            <a:r>
-              <a:rPr lang="en-GB" sz="2400" baseline="30000">
-                <a:solidFill>
-                  <a:srgbClr val="FF0000"/>
-                </a:solidFill>
-              </a:rPr>
-              <a:t>4</a:t>
-            </a:r>
-            <a:r>
-              <a:rPr lang="en-GB" sz="2400">
-                <a:solidFill>
-                  <a:srgbClr val="FF0000"/>
-                </a:solidFill>
-              </a:rPr>
-              <a:t>).</a:t>
+              <a:t> (independent variable).</a:t>
             </a:r>
           </a:p>
         </p:txBody>
@@ -14287,51 +11657,6 @@
           </p:pic>
         </mc:Fallback>
       </mc:AlternateContent>
-      <p:cxnSp>
-        <p:nvCxnSpPr>
-          <p:cNvPr id="30" name="Straight Arrow Connector 29">
-            <a:extLst>
-              <a:ext uri="{FF2B5EF4-FFF2-40B4-BE49-F238E27FC236}">
-                <a16:creationId xmlns:a16="http://schemas.microsoft.com/office/drawing/2014/main" id="{A174ADF1-9076-4B41-8EBE-E2A8E1BB8369}"/>
-              </a:ext>
-            </a:extLst>
-          </p:cNvPr>
-          <p:cNvCxnSpPr/>
-          <p:nvPr/>
-        </p:nvCxnSpPr>
-        <p:spPr>
-          <a:xfrm>
-            <a:off x="5268160" y="3958225"/>
-            <a:ext cx="631599" cy="0"/>
-          </a:xfrm>
-          <a:prstGeom prst="straightConnector1">
-            <a:avLst/>
-          </a:prstGeom>
-          <a:ln w="38100" cap="flat" cmpd="sng" algn="ctr">
-            <a:solidFill>
-              <a:schemeClr val="dk1"/>
-            </a:solidFill>
-            <a:prstDash val="solid"/>
-            <a:round/>
-            <a:headEnd type="none" w="med" len="med"/>
-            <a:tailEnd type="arrow" w="med" len="med"/>
-          </a:ln>
-        </p:spPr>
-        <p:style>
-          <a:lnRef idx="0">
-            <a:scrgbClr r="0" g="0" b="0"/>
-          </a:lnRef>
-          <a:fillRef idx="0">
-            <a:scrgbClr r="0" g="0" b="0"/>
-          </a:fillRef>
-          <a:effectRef idx="0">
-            <a:scrgbClr r="0" g="0" b="0"/>
-          </a:effectRef>
-          <a:fontRef idx="minor">
-            <a:schemeClr val="tx1"/>
-          </a:fontRef>
-        </p:style>
-      </p:cxnSp>
     </p:spTree>
     <p:extLst>
       <p:ext uri="{BB962C8B-B14F-4D97-AF65-F5344CB8AC3E}">
@@ -14364,10 +11689,10 @@
       </p:grpSpPr>
       <p:sp>
         <p:nvSpPr>
-          <p:cNvPr id="3" name="Footer Placeholder 2">
+          <p:cNvPr id="2" name="Subtitle 1">
             <a:extLst>
               <a:ext uri="{FF2B5EF4-FFF2-40B4-BE49-F238E27FC236}">
-                <a16:creationId xmlns:a16="http://schemas.microsoft.com/office/drawing/2014/main" id="{3C4D431B-7665-75B0-2D73-5BD588DCB766}"/>
+                <a16:creationId xmlns:a16="http://schemas.microsoft.com/office/drawing/2014/main" id="{B93BC7D5-BCF0-9770-E0FC-3B43756ACD9A}"/>
               </a:ext>
             </a:extLst>
           </p:cNvPr>
@@ -14375,17 +11700,22 @@
             <a:spLocks noGrp="1"/>
           </p:cNvSpPr>
           <p:nvPr>
-            <p:ph type="ftr" sz="quarter" idx="11"/>
+            <p:ph type="subTitle" idx="1"/>
           </p:nvPr>
         </p:nvSpPr>
-        <p:spPr/>
+        <p:spPr>
+          <a:xfrm>
+            <a:off x="846667" y="610749"/>
+            <a:ext cx="7200000" cy="360000"/>
+          </a:xfrm>
+        </p:spPr>
         <p:txBody>
           <a:bodyPr/>
           <a:lstStyle/>
           <a:p>
             <a:r>
-              <a:rPr lang="en-GB"/>
-              <a:t>PRE 7COM1079-2022  Student Group No:  ?????</a:t>
+              <a:rPr lang="en-GB" dirty="0"/>
+              <a:t>Visualization</a:t>
             </a:r>
           </a:p>
         </p:txBody>
@@ -14395,7 +11725,7 @@
           <p:cNvPr id="4" name="Slide Number Placeholder 3">
             <a:extLst>
               <a:ext uri="{FF2B5EF4-FFF2-40B4-BE49-F238E27FC236}">
-                <a16:creationId xmlns:a16="http://schemas.microsoft.com/office/drawing/2014/main" id="{1625FA15-B17F-387B-E383-5505647ABB89}"/>
+                <a16:creationId xmlns:a16="http://schemas.microsoft.com/office/drawing/2014/main" id="{C2ABD596-6B10-94C5-62D0-FAF0DFBF89F2}"/>
               </a:ext>
             </a:extLst>
           </p:cNvPr>
@@ -14422,268 +11752,256 @@
       </p:sp>
       <p:sp>
         <p:nvSpPr>
-          <p:cNvPr id="7" name="TextBox 6">
+          <p:cNvPr id="6" name="Subtitle 1">
             <a:extLst>
               <a:ext uri="{FF2B5EF4-FFF2-40B4-BE49-F238E27FC236}">
-                <a16:creationId xmlns:a16="http://schemas.microsoft.com/office/drawing/2014/main" id="{F7FEA660-7B39-BC91-3B96-7298CCF66DE1}"/>
+                <a16:creationId xmlns:a16="http://schemas.microsoft.com/office/drawing/2014/main" id="{A1227FC0-FA7A-5793-C6D5-96F1797CCCDE}"/>
               </a:ext>
             </a:extLst>
           </p:cNvPr>
-          <p:cNvSpPr txBox="1"/>
+          <p:cNvSpPr txBox="1">
+            <a:spLocks/>
+          </p:cNvSpPr>
           <p:nvPr/>
         </p:nvSpPr>
         <p:spPr>
           <a:xfrm>
-            <a:off x="498685" y="6287311"/>
-            <a:ext cx="11440040" cy="369332"/>
+            <a:off x="5118311" y="5462667"/>
+            <a:ext cx="3034489" cy="360000"/>
           </a:xfrm>
           <a:prstGeom prst="rect">
             <a:avLst/>
           </a:prstGeom>
-          <a:solidFill>
-            <a:schemeClr val="bg1">
-              <a:lumMod val="95000"/>
-            </a:schemeClr>
-          </a:solidFill>
         </p:spPr>
         <p:txBody>
-          <a:bodyPr wrap="square" rtlCol="0">
-            <a:spAutoFit/>
+          <a:bodyPr vert="horz" lIns="0" tIns="0" rIns="0" bIns="0" rtlCol="0">
+            <a:noAutofit/>
           </a:bodyPr>
-          <a:lstStyle/>
-          <a:p>
-            <a:r>
-              <a:rPr lang="en-GB" b="1" dirty="0">
-                <a:latin typeface="Calibri" panose="020F0502020204030204" pitchFamily="34" charset="0"/>
-                <a:cs typeface="Calibri" panose="020F0502020204030204" pitchFamily="34" charset="0"/>
+          <a:lstStyle>
+            <a:lvl1pPr marL="0" indent="0" algn="l" defTabSz="914400" rtl="0" eaLnBrk="1" latinLnBrk="0" hangingPunct="1">
+              <a:lnSpc>
+                <a:spcPts val="2880"/>
+              </a:lnSpc>
+              <a:spcBef>
+                <a:spcPts val="0"/>
+              </a:spcBef>
+              <a:spcAft>
+                <a:spcPts val="992"/>
+              </a:spcAft>
+              <a:buFont typeface="Arial" panose="020B0604020202020204" pitchFamily="34" charset="0"/>
+              <a:buNone/>
+              <a:defRPr sz="3600" b="1" kern="3000" spc="-100" baseline="0">
+                <a:solidFill>
+                  <a:schemeClr val="tx2"/>
+                </a:solidFill>
+                <a:latin typeface="+mn-lt"/>
+                <a:ea typeface="+mn-ea"/>
+                <a:cs typeface="+mn-cs"/>
+              </a:defRPr>
+            </a:lvl1pPr>
+            <a:lvl2pPr marL="457200" indent="0" algn="ctr" defTabSz="914400" rtl="0" eaLnBrk="1" latinLnBrk="0" hangingPunct="1">
+              <a:lnSpc>
+                <a:spcPts val="2880"/>
+              </a:lnSpc>
+              <a:spcBef>
+                <a:spcPts val="0"/>
+              </a:spcBef>
+              <a:spcAft>
+                <a:spcPts val="992"/>
+              </a:spcAft>
+              <a:buFont typeface="Arial" panose="020B0604020202020204" pitchFamily="34" charset="0"/>
+              <a:buNone/>
+              <a:defRPr sz="2000" kern="2000" spc="-100" baseline="0">
+                <a:solidFill>
+                  <a:srgbClr val="203232"/>
+                </a:solidFill>
+                <a:latin typeface="+mn-lt"/>
+                <a:ea typeface="+mn-ea"/>
+                <a:cs typeface="+mn-cs"/>
+              </a:defRPr>
+            </a:lvl2pPr>
+            <a:lvl3pPr marL="914400" indent="0" algn="ctr" defTabSz="914400" rtl="0" eaLnBrk="1" latinLnBrk="0" hangingPunct="1">
+              <a:lnSpc>
+                <a:spcPts val="2880"/>
+              </a:lnSpc>
+              <a:spcBef>
+                <a:spcPts val="0"/>
+              </a:spcBef>
+              <a:spcAft>
+                <a:spcPts val="992"/>
+              </a:spcAft>
+              <a:buFont typeface="Arial" panose="020B0604020202020204" pitchFamily="34" charset="0"/>
+              <a:buNone/>
+              <a:defRPr sz="1800" kern="2000" spc="-100" baseline="0">
+                <a:solidFill>
+                  <a:srgbClr val="203232"/>
+                </a:solidFill>
+                <a:latin typeface="+mn-lt"/>
+                <a:ea typeface="+mn-ea"/>
+                <a:cs typeface="+mn-cs"/>
+              </a:defRPr>
+            </a:lvl3pPr>
+            <a:lvl4pPr marL="1371600" indent="0" algn="ctr" defTabSz="914400" rtl="0" eaLnBrk="1" latinLnBrk="0" hangingPunct="1">
+              <a:lnSpc>
+                <a:spcPts val="2160"/>
+              </a:lnSpc>
+              <a:spcBef>
+                <a:spcPts val="0"/>
+              </a:spcBef>
+              <a:buFont typeface="Arial" panose="020B0604020202020204" pitchFamily="34" charset="0"/>
+              <a:buNone/>
+              <a:defRPr sz="1600" kern="1200">
+                <a:solidFill>
+                  <a:srgbClr val="203232"/>
+                </a:solidFill>
+                <a:latin typeface="+mn-lt"/>
+                <a:ea typeface="+mn-ea"/>
+                <a:cs typeface="+mn-cs"/>
+              </a:defRPr>
+            </a:lvl4pPr>
+            <a:lvl5pPr marL="1828800" indent="0" algn="ctr" defTabSz="914400" rtl="0" eaLnBrk="1" latinLnBrk="0" hangingPunct="1">
+              <a:lnSpc>
+                <a:spcPts val="2160"/>
+              </a:lnSpc>
+              <a:spcBef>
+                <a:spcPts val="0"/>
+              </a:spcBef>
+              <a:buFont typeface="Arial" panose="020B0604020202020204" pitchFamily="34" charset="0"/>
+              <a:buNone/>
+              <a:defRPr sz="1600" b="1" kern="1200">
+                <a:solidFill>
+                  <a:srgbClr val="203232"/>
+                </a:solidFill>
+                <a:latin typeface="+mn-lt"/>
+                <a:ea typeface="+mn-ea"/>
+                <a:cs typeface="+mn-cs"/>
+              </a:defRPr>
+            </a:lvl5pPr>
+            <a:lvl6pPr marL="2286000" indent="0" algn="ctr" defTabSz="914400" rtl="0" eaLnBrk="1" latinLnBrk="0" hangingPunct="1">
+              <a:lnSpc>
+                <a:spcPct val="90000"/>
+              </a:lnSpc>
+              <a:spcBef>
+                <a:spcPts val="500"/>
+              </a:spcBef>
+              <a:buFont typeface="Arial" panose="020B0604020202020204" pitchFamily="34" charset="0"/>
+              <a:buNone/>
+              <a:defRPr sz="1600" kern="1200">
+                <a:solidFill>
+                  <a:schemeClr val="tx1"/>
+                </a:solidFill>
+                <a:latin typeface="+mn-lt"/>
+                <a:ea typeface="+mn-ea"/>
+                <a:cs typeface="+mn-cs"/>
+              </a:defRPr>
+            </a:lvl6pPr>
+            <a:lvl7pPr marL="2743200" indent="0" algn="ctr" defTabSz="914400" rtl="0" eaLnBrk="1" latinLnBrk="0" hangingPunct="1">
+              <a:lnSpc>
+                <a:spcPct val="90000"/>
+              </a:lnSpc>
+              <a:spcBef>
+                <a:spcPts val="500"/>
+              </a:spcBef>
+              <a:buFont typeface="Arial" panose="020B0604020202020204" pitchFamily="34" charset="0"/>
+              <a:buNone/>
+              <a:defRPr sz="1600" kern="1200">
+                <a:solidFill>
+                  <a:schemeClr val="tx1"/>
+                </a:solidFill>
+                <a:latin typeface="+mn-lt"/>
+                <a:ea typeface="+mn-ea"/>
+                <a:cs typeface="+mn-cs"/>
+              </a:defRPr>
+            </a:lvl7pPr>
+            <a:lvl8pPr marL="3200400" indent="0" algn="ctr" defTabSz="914400" rtl="0" eaLnBrk="1" latinLnBrk="0" hangingPunct="1">
+              <a:lnSpc>
+                <a:spcPct val="90000"/>
+              </a:lnSpc>
+              <a:spcBef>
+                <a:spcPts val="500"/>
+              </a:spcBef>
+              <a:buFont typeface="Arial" panose="020B0604020202020204" pitchFamily="34" charset="0"/>
+              <a:buNone/>
+              <a:defRPr sz="1600" kern="1200">
+                <a:solidFill>
+                  <a:schemeClr val="tx1"/>
+                </a:solidFill>
+                <a:latin typeface="+mn-lt"/>
+                <a:ea typeface="+mn-ea"/>
+                <a:cs typeface="+mn-cs"/>
+              </a:defRPr>
+            </a:lvl8pPr>
+            <a:lvl9pPr marL="3657600" indent="0" algn="ctr" defTabSz="914400" rtl="0" eaLnBrk="1" latinLnBrk="0" hangingPunct="1">
+              <a:lnSpc>
+                <a:spcPct val="90000"/>
+              </a:lnSpc>
+              <a:spcBef>
+                <a:spcPts val="500"/>
+              </a:spcBef>
+              <a:buFont typeface="Arial" panose="020B0604020202020204" pitchFamily="34" charset="0"/>
+              <a:buNone/>
+              <a:defRPr sz="1600" kern="1200">
+                <a:solidFill>
+                  <a:schemeClr val="tx1"/>
+                </a:solidFill>
+                <a:latin typeface="+mn-lt"/>
+                <a:ea typeface="+mn-ea"/>
+                <a:cs typeface="+mn-cs"/>
+              </a:defRPr>
+            </a:lvl9pPr>
+          </a:lstStyle>
+          <a:p>
+            <a:r>
+              <a:rPr lang="en-GB" sz="2000" dirty="0">
+                <a:solidFill>
+                  <a:schemeClr val="accent1"/>
+                </a:solidFill>
               </a:rPr>
-              <a:t>Correlation</a:t>
-            </a:r>
-            <a:r>
-              <a:rPr lang="en-GB" dirty="0"/>
-              <a:t> </a:t>
-            </a:r>
-            <a:r>
-              <a:rPr lang="en-IE" dirty="0">
-                <a:latin typeface="Calibri" panose="020F0502020204030204" pitchFamily="34" charset="0"/>
-                <a:cs typeface="Times New Roman" panose="02020603050405020304" pitchFamily="18" charset="0"/>
-              </a:rPr>
-              <a:t>analyses</a:t>
-            </a:r>
-            <a:r>
-              <a:rPr lang="en-IE" sz="1800" dirty="0">
-                <a:effectLst/>
-                <a:latin typeface="Calibri" panose="020F0502020204030204" pitchFamily="34" charset="0"/>
-                <a:ea typeface="Calibri" panose="020F0502020204030204" pitchFamily="34" charset="0"/>
-                <a:cs typeface="Times New Roman" panose="02020603050405020304" pitchFamily="18" charset="0"/>
-              </a:rPr>
-              <a:t> how an </a:t>
-            </a:r>
-            <a:r>
-              <a:rPr lang="en-IE" sz="1800" dirty="0">
-                <a:solidFill>
-                  <a:srgbClr val="FF0000"/>
-                </a:solidFill>
-                <a:effectLst/>
-                <a:latin typeface="Calibri" panose="020F0502020204030204" pitchFamily="34" charset="0"/>
-                <a:ea typeface="Calibri" panose="020F0502020204030204" pitchFamily="34" charset="0"/>
-                <a:cs typeface="Times New Roman" panose="02020603050405020304" pitchFamily="18" charset="0"/>
-              </a:rPr>
-              <a:t>interval/ratio </a:t>
-            </a:r>
-            <a:r>
-              <a:rPr lang="en-IE" sz="1800" dirty="0">
-                <a:solidFill>
-                  <a:srgbClr val="00B050"/>
-                </a:solidFill>
-                <a:effectLst/>
-                <a:latin typeface="Calibri" panose="020F0502020204030204" pitchFamily="34" charset="0"/>
-                <a:ea typeface="Calibri" panose="020F0502020204030204" pitchFamily="34" charset="0"/>
-                <a:cs typeface="Times New Roman" panose="02020603050405020304" pitchFamily="18" charset="0"/>
-              </a:rPr>
-              <a:t>dependent var </a:t>
-            </a:r>
-            <a:r>
-              <a:rPr lang="en-IE" dirty="0">
-                <a:latin typeface="Calibri" panose="020F0502020204030204" pitchFamily="34" charset="0"/>
-                <a:ea typeface="Calibri" panose="020F0502020204030204" pitchFamily="34" charset="0"/>
-                <a:cs typeface="Times New Roman" panose="02020603050405020304" pitchFamily="18" charset="0"/>
-              </a:rPr>
-              <a:t>correlates </a:t>
-            </a:r>
-            <a:r>
-              <a:rPr lang="en-IE" sz="1800" dirty="0">
-                <a:effectLst/>
-                <a:latin typeface="Calibri" panose="020F0502020204030204" pitchFamily="34" charset="0"/>
-                <a:ea typeface="Calibri" panose="020F0502020204030204" pitchFamily="34" charset="0"/>
-                <a:cs typeface="Times New Roman" panose="02020603050405020304" pitchFamily="18" charset="0"/>
-              </a:rPr>
-              <a:t>to an </a:t>
-            </a:r>
-            <a:r>
-              <a:rPr lang="en-IE" sz="1800" dirty="0">
-                <a:solidFill>
-                  <a:srgbClr val="FF0000"/>
-                </a:solidFill>
-                <a:effectLst/>
-                <a:latin typeface="Calibri" panose="020F0502020204030204" pitchFamily="34" charset="0"/>
-                <a:ea typeface="Calibri" panose="020F0502020204030204" pitchFamily="34" charset="0"/>
-                <a:cs typeface="Times New Roman" panose="02020603050405020304" pitchFamily="18" charset="0"/>
-              </a:rPr>
-              <a:t>ordinal/interval/ratio </a:t>
-            </a:r>
-            <a:r>
-              <a:rPr lang="en-IE" sz="1800" dirty="0">
-                <a:solidFill>
-                  <a:srgbClr val="00B050"/>
-                </a:solidFill>
-                <a:effectLst/>
-                <a:latin typeface="Calibri" panose="020F0502020204030204" pitchFamily="34" charset="0"/>
-                <a:ea typeface="Calibri" panose="020F0502020204030204" pitchFamily="34" charset="0"/>
-                <a:cs typeface="Times New Roman" panose="02020603050405020304" pitchFamily="18" charset="0"/>
-              </a:rPr>
-              <a:t>independent variable</a:t>
-            </a:r>
-            <a:endParaRPr lang="en-GB" dirty="0"/>
+              <a:t>Histogram</a:t>
+            </a:r>
           </a:p>
         </p:txBody>
       </p:sp>
-      <p:sp>
-        <p:nvSpPr>
-          <p:cNvPr id="8" name="Subtitle 7">
+      <p:pic>
+        <p:nvPicPr>
+          <p:cNvPr id="8" name="Picture 7" descr="A graph of a positive result&#10;&#10;AI-generated content may be incorrect.">
             <a:extLst>
               <a:ext uri="{FF2B5EF4-FFF2-40B4-BE49-F238E27FC236}">
-                <a16:creationId xmlns:a16="http://schemas.microsoft.com/office/drawing/2014/main" id="{08296624-D625-8A51-63F8-EC461F283B3B}"/>
+                <a16:creationId xmlns:a16="http://schemas.microsoft.com/office/drawing/2014/main" id="{4B917D51-ACB3-0303-B550-1A0701DF1A29}"/>
               </a:ext>
             </a:extLst>
           </p:cNvPr>
-          <p:cNvSpPr>
-            <a:spLocks noGrp="1"/>
-          </p:cNvSpPr>
-          <p:nvPr>
-            <p:ph type="subTitle" idx="1"/>
-          </p:nvPr>
-        </p:nvSpPr>
+          <p:cNvPicPr>
+            <a:picLocks noChangeAspect="1"/>
+          </p:cNvPicPr>
+          <p:nvPr/>
+        </p:nvPicPr>
+        <p:blipFill>
+          <a:blip r:embed="rId2">
+            <a:extLst>
+              <a:ext uri="{28A0092B-C50C-407E-A947-70E740481C1C}">
+                <a14:useLocalDpi xmlns:a14="http://schemas.microsoft.com/office/drawing/2010/main" val="0"/>
+              </a:ext>
+            </a:extLst>
+          </a:blip>
+          <a:stretch>
+            <a:fillRect/>
+          </a:stretch>
+        </p:blipFill>
         <p:spPr>
           <a:xfrm>
-            <a:off x="952800" y="716650"/>
-            <a:ext cx="10273911" cy="668224"/>
+            <a:off x="846667" y="1035333"/>
+            <a:ext cx="9769733" cy="4362750"/>
           </a:xfrm>
-          <a:solidFill>
-            <a:schemeClr val="bg2"/>
-          </a:solidFill>
+          <a:prstGeom prst="rect">
+            <a:avLst/>
+          </a:prstGeom>
         </p:spPr>
-        <p:txBody>
-          <a:bodyPr/>
-          <a:lstStyle/>
-          <a:p>
-            <a:pPr>
-              <a:lnSpc>
-                <a:spcPct val="100000"/>
-              </a:lnSpc>
-            </a:pPr>
-            <a:r>
-              <a:rPr lang="en-GB" b="0">
-                <a:solidFill>
-                  <a:srgbClr val="FF0000"/>
-                </a:solidFill>
-              </a:rPr>
-              <a:t>1. Where your research question asks about </a:t>
-            </a:r>
-            <a:r>
-              <a:rPr lang="en-GB"/>
-              <a:t>Correlation</a:t>
-            </a:r>
-            <a:r>
-              <a:rPr lang="en-GB" b="0"/>
-              <a:t>: Include two </a:t>
-            </a:r>
-            <a:r>
-              <a:rPr lang="en-GB" b="0" i="1"/>
-              <a:t>visualizations</a:t>
-            </a:r>
-          </a:p>
-        </p:txBody>
-      </p:sp>
-      <p:sp>
-        <p:nvSpPr>
-          <p:cNvPr id="12" name="Title 11">
-            <a:extLst>
-              <a:ext uri="{FF2B5EF4-FFF2-40B4-BE49-F238E27FC236}">
-                <a16:creationId xmlns:a16="http://schemas.microsoft.com/office/drawing/2014/main" id="{F41CBD45-A845-C335-489D-8BB5DDD408DD}"/>
-              </a:ext>
-            </a:extLst>
-          </p:cNvPr>
-          <p:cNvSpPr>
-            <a:spLocks noGrp="1"/>
-          </p:cNvSpPr>
-          <p:nvPr>
-            <p:ph type="ctrTitle"/>
-          </p:nvPr>
-        </p:nvSpPr>
-        <p:spPr>
-          <a:xfrm>
-            <a:off x="1055369" y="2007544"/>
-            <a:ext cx="10656467" cy="2010058"/>
-          </a:xfrm>
-          <a:solidFill>
-            <a:srgbClr val="FFFF00"/>
-          </a:solidFill>
-        </p:spPr>
-        <p:txBody>
-          <a:bodyPr>
-            <a:normAutofit fontScale="90000"/>
-          </a:bodyPr>
-          <a:lstStyle/>
-          <a:p>
-            <a:pPr>
-              <a:lnSpc>
-                <a:spcPct val="100000"/>
-              </a:lnSpc>
-            </a:pPr>
-            <a:r>
-              <a:rPr lang="en-GB" sz="3600" b="0"/>
-              <a:t>1. A scatterplot to include the linear trendline</a:t>
-            </a:r>
-            <a:br>
-              <a:rPr lang="en-GB" sz="3600" b="0"/>
-            </a:br>
-            <a:r>
-              <a:rPr lang="en-GB" sz="3600" b="0"/>
-              <a:t>       (ensuring your dependent variable is on the y-axis)</a:t>
-            </a:r>
-            <a:br>
-              <a:rPr lang="en-GB" sz="3600" b="0"/>
-            </a:br>
-            <a:r>
-              <a:rPr lang="en-GB" sz="3600" b="0"/>
-              <a:t>2. A histogram to include the normal curve overlay. The histogram plots data from your </a:t>
-            </a:r>
-            <a:r>
-              <a:rPr lang="en-GB" sz="3600"/>
-              <a:t>dependent variable </a:t>
-            </a:r>
-            <a:r>
-              <a:rPr lang="en-GB" sz="3600" b="0"/>
-              <a:t>only.</a:t>
-            </a:r>
-            <a:br>
-              <a:rPr lang="en-GB" sz="3600" b="0"/>
-            </a:br>
-            <a:br>
-              <a:rPr lang="en-GB" sz="3600" b="0"/>
-            </a:br>
-            <a:r>
-              <a:rPr lang="en-GB" sz="3600" b="0"/>
-              <a:t>Clearly label you axes to include variable name and units of measurement. Include a title to give your plot/visualization a context.</a:t>
-            </a:r>
-          </a:p>
-        </p:txBody>
-      </p:sp>
+      </p:pic>
     </p:spTree>
     <p:extLst>
       <p:ext uri="{BB962C8B-B14F-4D97-AF65-F5344CB8AC3E}">
-        <p14:creationId xmlns:p14="http://schemas.microsoft.com/office/powerpoint/2010/main" val="32494612"/>
+        <p14:creationId xmlns:p14="http://schemas.microsoft.com/office/powerpoint/2010/main" val="2000106928"/>
       </p:ext>
     </p:extLst>
   </p:cSld>
@@ -14712,10 +12030,10 @@
       </p:grpSpPr>
       <p:sp>
         <p:nvSpPr>
-          <p:cNvPr id="3" name="Footer Placeholder 2">
+          <p:cNvPr id="12" name="Title 1">
             <a:extLst>
               <a:ext uri="{FF2B5EF4-FFF2-40B4-BE49-F238E27FC236}">
-                <a16:creationId xmlns:a16="http://schemas.microsoft.com/office/drawing/2014/main" id="{3C4D431B-7665-75B0-2D73-5BD588DCB766}"/>
+                <a16:creationId xmlns:a16="http://schemas.microsoft.com/office/drawing/2014/main" id="{DBAB77D0-F335-FD0D-D287-5E33F8DBE1E1}"/>
               </a:ext>
             </a:extLst>
           </p:cNvPr>
@@ -14723,17 +12041,26 @@
             <a:spLocks noGrp="1"/>
           </p:cNvSpPr>
           <p:nvPr>
-            <p:ph type="ftr" sz="quarter" idx="11"/>
+            <p:ph type="title"/>
           </p:nvPr>
         </p:nvSpPr>
-        <p:spPr/>
+        <p:spPr>
+          <a:xfrm>
+            <a:off x="954000" y="775255"/>
+            <a:ext cx="7834400" cy="592437"/>
+          </a:xfrm>
+        </p:spPr>
         <p:txBody>
           <a:bodyPr/>
           <a:lstStyle/>
           <a:p>
             <a:r>
-              <a:rPr lang="en-GB"/>
-              <a:t>PRE 7COM1079-2022  Student Group No:  ?????</a:t>
+              <a:rPr lang="en-US" sz="2800" dirty="0">
+                <a:solidFill>
+                  <a:schemeClr val="accent1"/>
+                </a:solidFill>
+              </a:rPr>
+              <a:t>BOXPLOT  </a:t>
             </a:r>
           </a:p>
         </p:txBody>
@@ -14743,7 +12070,7 @@
           <p:cNvPr id="4" name="Slide Number Placeholder 3">
             <a:extLst>
               <a:ext uri="{FF2B5EF4-FFF2-40B4-BE49-F238E27FC236}">
-                <a16:creationId xmlns:a16="http://schemas.microsoft.com/office/drawing/2014/main" id="{1625FA15-B17F-387B-E383-5505647ABB89}"/>
+                <a16:creationId xmlns:a16="http://schemas.microsoft.com/office/drawing/2014/main" id="{C898807F-DBD2-A7C1-78A1-C82CA133FDEE}"/>
               </a:ext>
             </a:extLst>
           </p:cNvPr>
@@ -14754,200 +12081,76 @@
             <p:ph type="sldNum" sz="quarter" idx="12"/>
           </p:nvPr>
         </p:nvSpPr>
-        <p:spPr/>
+        <p:spPr>
+          <a:xfrm>
+            <a:off x="9821333" y="783355"/>
+            <a:ext cx="1400528" cy="230832"/>
+          </a:xfrm>
+        </p:spPr>
         <p:txBody>
-          <a:bodyPr/>
+          <a:bodyPr wrap="square" anchor="t">
+            <a:normAutofit/>
+          </a:bodyPr>
           <a:lstStyle/>
           <a:p>
+            <a:pPr>
+              <a:spcAft>
+                <a:spcPts val="600"/>
+              </a:spcAft>
+            </a:pPr>
             <a:fld id="{E4D355CA-84B7-41B1-B164-8BB439CC7C6B}" type="slidenum">
               <a:rPr lang="en-GB" smtClean="0"/>
-              <a:pPr/>
+              <a:pPr>
+                <a:spcAft>
+                  <a:spcPts val="600"/>
+                </a:spcAft>
+              </a:pPr>
               <a:t>7</a:t>
             </a:fld>
             <a:endParaRPr lang="en-GB"/>
           </a:p>
         </p:txBody>
       </p:sp>
-      <p:sp>
-        <p:nvSpPr>
-          <p:cNvPr id="7" name="TextBox 6">
+      <p:pic>
+        <p:nvPicPr>
+          <p:cNvPr id="3" name="Picture 2" descr="A graph showing a bar graph&#10;&#10;AI-generated content may be incorrect.">
             <a:extLst>
               <a:ext uri="{FF2B5EF4-FFF2-40B4-BE49-F238E27FC236}">
-                <a16:creationId xmlns:a16="http://schemas.microsoft.com/office/drawing/2014/main" id="{F7FEA660-7B39-BC91-3B96-7298CCF66DE1}"/>
+                <a16:creationId xmlns:a16="http://schemas.microsoft.com/office/drawing/2014/main" id="{21720393-EAEE-F60B-9866-3FD6E7E79213}"/>
               </a:ext>
             </a:extLst>
           </p:cNvPr>
-          <p:cNvSpPr txBox="1"/>
+          <p:cNvPicPr>
+            <a:picLocks noChangeAspect="1"/>
+          </p:cNvPicPr>
           <p:nvPr/>
-        </p:nvSpPr>
+        </p:nvPicPr>
+        <p:blipFill>
+          <a:blip r:embed="rId2">
+            <a:extLst>
+              <a:ext uri="{28A0092B-C50C-407E-A947-70E740481C1C}">
+                <a14:useLocalDpi xmlns:a14="http://schemas.microsoft.com/office/drawing/2010/main" val="0"/>
+              </a:ext>
+            </a:extLst>
+          </a:blip>
+          <a:stretch>
+            <a:fillRect/>
+          </a:stretch>
+        </p:blipFill>
         <p:spPr>
           <a:xfrm>
-            <a:off x="751960" y="6066978"/>
-            <a:ext cx="11440040" cy="646331"/>
+            <a:off x="728133" y="1367691"/>
+            <a:ext cx="9482675" cy="5016176"/>
           </a:xfrm>
           <a:prstGeom prst="rect">
             <a:avLst/>
           </a:prstGeom>
-          <a:solidFill>
-            <a:schemeClr val="bg1">
-              <a:lumMod val="95000"/>
-            </a:schemeClr>
-          </a:solidFill>
         </p:spPr>
-        <p:txBody>
-          <a:bodyPr wrap="square" rtlCol="0">
-            <a:spAutoFit/>
-          </a:bodyPr>
-          <a:lstStyle/>
-          <a:p>
-            <a:r>
-              <a:rPr lang="en-IE" sz="1800" b="1" dirty="0">
-                <a:effectLst/>
-                <a:latin typeface="Calibri" panose="020F0502020204030204" pitchFamily="34" charset="0"/>
-                <a:ea typeface="Calibri" panose="020F0502020204030204" pitchFamily="34" charset="0"/>
-                <a:cs typeface="Times New Roman" panose="02020603050405020304" pitchFamily="18" charset="0"/>
-              </a:rPr>
-              <a:t>Comparison of means</a:t>
-            </a:r>
-            <a:r>
-              <a:rPr lang="en-IE" sz="1800" dirty="0">
-                <a:effectLst/>
-                <a:latin typeface="Calibri" panose="020F0502020204030204" pitchFamily="34" charset="0"/>
-                <a:ea typeface="Calibri" panose="020F0502020204030204" pitchFamily="34" charset="0"/>
-                <a:cs typeface="Times New Roman" panose="02020603050405020304" pitchFamily="18" charset="0"/>
-              </a:rPr>
-              <a:t> (or medians) analyses the difference between the mean (or median) value of a characteristic shared by members of two (or more) different populations/values.</a:t>
-            </a:r>
-            <a:endParaRPr lang="en-GB" dirty="0"/>
-          </a:p>
-        </p:txBody>
-      </p:sp>
-      <p:sp>
-        <p:nvSpPr>
-          <p:cNvPr id="8" name="Subtitle 7">
-            <a:extLst>
-              <a:ext uri="{FF2B5EF4-FFF2-40B4-BE49-F238E27FC236}">
-                <a16:creationId xmlns:a16="http://schemas.microsoft.com/office/drawing/2014/main" id="{08296624-D625-8A51-63F8-EC461F283B3B}"/>
-              </a:ext>
-            </a:extLst>
-          </p:cNvPr>
-          <p:cNvSpPr>
-            <a:spLocks noGrp="1"/>
-          </p:cNvSpPr>
-          <p:nvPr>
-            <p:ph type="subTitle" idx="1"/>
-          </p:nvPr>
-        </p:nvSpPr>
-        <p:spPr>
-          <a:xfrm>
-            <a:off x="965289" y="353630"/>
-            <a:ext cx="10273911" cy="668224"/>
-          </a:xfrm>
-          <a:solidFill>
-            <a:schemeClr val="bg2"/>
-          </a:solidFill>
-        </p:spPr>
-        <p:txBody>
-          <a:bodyPr/>
-          <a:lstStyle/>
-          <a:p>
-            <a:pPr>
-              <a:lnSpc>
-                <a:spcPct val="100000"/>
-              </a:lnSpc>
-            </a:pPr>
-            <a:r>
-              <a:rPr lang="en-GB" b="0">
-                <a:solidFill>
-                  <a:srgbClr val="FF0000"/>
-                </a:solidFill>
-              </a:rPr>
-              <a:t>2. Where your research question asks about </a:t>
-            </a:r>
-            <a:r>
-              <a:rPr lang="en-GB"/>
-              <a:t>Comparison of means/medians</a:t>
-            </a:r>
-            <a:r>
-              <a:rPr lang="en-GB" b="0"/>
-              <a:t>: Include two plots</a:t>
-            </a:r>
-            <a:endParaRPr lang="en-GB" b="0" i="1"/>
-          </a:p>
-        </p:txBody>
-      </p:sp>
-      <p:sp>
-        <p:nvSpPr>
-          <p:cNvPr id="12" name="Title 11">
-            <a:extLst>
-              <a:ext uri="{FF2B5EF4-FFF2-40B4-BE49-F238E27FC236}">
-                <a16:creationId xmlns:a16="http://schemas.microsoft.com/office/drawing/2014/main" id="{F41CBD45-A845-C335-489D-8BB5DDD408DD}"/>
-              </a:ext>
-            </a:extLst>
-          </p:cNvPr>
-          <p:cNvSpPr>
-            <a:spLocks noGrp="1"/>
-          </p:cNvSpPr>
-          <p:nvPr>
-            <p:ph type="ctrTitle"/>
-          </p:nvPr>
-        </p:nvSpPr>
-        <p:spPr>
-          <a:xfrm>
-            <a:off x="965289" y="1534358"/>
-            <a:ext cx="10656467" cy="2010058"/>
-          </a:xfrm>
-          <a:solidFill>
-            <a:srgbClr val="FFFF00"/>
-          </a:solidFill>
-        </p:spPr>
-        <p:txBody>
-          <a:bodyPr>
-            <a:normAutofit fontScale="90000"/>
-          </a:bodyPr>
-          <a:lstStyle/>
-          <a:p>
-            <a:pPr>
-              <a:lnSpc>
-                <a:spcPct val="100000"/>
-              </a:lnSpc>
-            </a:pPr>
-            <a:r>
-              <a:rPr lang="en-GB" sz="3600" b="0"/>
-              <a:t>1. Boxplots (to include outliers) (place the dependent variable on the y-axis and independent variable sub-categories on the x axis)</a:t>
-            </a:r>
-            <a:br>
-              <a:rPr lang="en-GB" sz="3600" b="0"/>
-            </a:br>
-            <a:r>
-              <a:rPr lang="en-GB" sz="3600" b="0"/>
-              <a:t>2. A histogram to include the normal curve overlay. The histogram plots data from your </a:t>
-            </a:r>
-            <a:r>
-              <a:rPr lang="en-GB" sz="3600"/>
-              <a:t>dependent variable </a:t>
-            </a:r>
-            <a:r>
-              <a:rPr lang="en-GB" sz="3600" b="0"/>
-              <a:t>only.</a:t>
-            </a:r>
-            <a:br>
-              <a:rPr lang="en-GB" sz="3600" b="0"/>
-            </a:br>
-            <a:br>
-              <a:rPr lang="en-GB" sz="3600" b="0"/>
-            </a:br>
-            <a:r>
-              <a:rPr lang="en-GB" sz="3100" b="0"/>
-              <a:t>Clearly label you axes to include variable name in proper English, and units of measurement  (e.g. currency $, type of weight kg, etc). Include a title to give your plot/visualisation a context.</a:t>
-            </a:r>
-          </a:p>
-        </p:txBody>
-      </p:sp>
+      </p:pic>
     </p:spTree>
     <p:extLst>
       <p:ext uri="{BB962C8B-B14F-4D97-AF65-F5344CB8AC3E}">
-        <p14:creationId xmlns:p14="http://schemas.microsoft.com/office/powerpoint/2010/main" val="2723358785"/>
+        <p14:creationId xmlns:p14="http://schemas.microsoft.com/office/powerpoint/2010/main" val="2930745118"/>
       </p:ext>
     </p:extLst>
   </p:cSld>
@@ -14958,267 +12161,6 @@
 </file>
 
 <file path=ppt/slides/slide8.xml><?xml version="1.0" encoding="utf-8"?>
-<p:sld xmlns:a="http://schemas.openxmlformats.org/drawingml/2006/main" xmlns:r="http://schemas.openxmlformats.org/officeDocument/2006/relationships" xmlns:p="http://schemas.openxmlformats.org/presentationml/2006/main">
-  <p:cSld>
-    <p:spTree>
-      <p:nvGrpSpPr>
-        <p:cNvPr id="1" name=""/>
-        <p:cNvGrpSpPr/>
-        <p:nvPr/>
-      </p:nvGrpSpPr>
-      <p:grpSpPr>
-        <a:xfrm>
-          <a:off x="0" y="0"/>
-          <a:ext cx="0" cy="0"/>
-          <a:chOff x="0" y="0"/>
-          <a:chExt cx="0" cy="0"/>
-        </a:xfrm>
-      </p:grpSpPr>
-      <p:sp>
-        <p:nvSpPr>
-          <p:cNvPr id="3" name="Footer Placeholder 2">
-            <a:extLst>
-              <a:ext uri="{FF2B5EF4-FFF2-40B4-BE49-F238E27FC236}">
-                <a16:creationId xmlns:a16="http://schemas.microsoft.com/office/drawing/2014/main" id="{3C4D431B-7665-75B0-2D73-5BD588DCB766}"/>
-              </a:ext>
-            </a:extLst>
-          </p:cNvPr>
-          <p:cNvSpPr>
-            <a:spLocks noGrp="1"/>
-          </p:cNvSpPr>
-          <p:nvPr>
-            <p:ph type="ftr" sz="quarter" idx="11"/>
-          </p:nvPr>
-        </p:nvSpPr>
-        <p:spPr/>
-        <p:txBody>
-          <a:bodyPr/>
-          <a:lstStyle/>
-          <a:p>
-            <a:r>
-              <a:rPr lang="en-GB"/>
-              <a:t>PRE 7COM1079-2022  Student Group No:  ?????</a:t>
-            </a:r>
-          </a:p>
-        </p:txBody>
-      </p:sp>
-      <p:sp>
-        <p:nvSpPr>
-          <p:cNvPr id="4" name="Slide Number Placeholder 3">
-            <a:extLst>
-              <a:ext uri="{FF2B5EF4-FFF2-40B4-BE49-F238E27FC236}">
-                <a16:creationId xmlns:a16="http://schemas.microsoft.com/office/drawing/2014/main" id="{1625FA15-B17F-387B-E383-5505647ABB89}"/>
-              </a:ext>
-            </a:extLst>
-          </p:cNvPr>
-          <p:cNvSpPr>
-            <a:spLocks noGrp="1"/>
-          </p:cNvSpPr>
-          <p:nvPr>
-            <p:ph type="sldNum" sz="quarter" idx="12"/>
-          </p:nvPr>
-        </p:nvSpPr>
-        <p:spPr/>
-        <p:txBody>
-          <a:bodyPr/>
-          <a:lstStyle/>
-          <a:p>
-            <a:fld id="{E4D355CA-84B7-41B1-B164-8BB439CC7C6B}" type="slidenum">
-              <a:rPr lang="en-GB" smtClean="0"/>
-              <a:pPr/>
-              <a:t>8</a:t>
-            </a:fld>
-            <a:endParaRPr lang="en-GB"/>
-          </a:p>
-        </p:txBody>
-      </p:sp>
-      <p:sp>
-        <p:nvSpPr>
-          <p:cNvPr id="7" name="TextBox 6">
-            <a:extLst>
-              <a:ext uri="{FF2B5EF4-FFF2-40B4-BE49-F238E27FC236}">
-                <a16:creationId xmlns:a16="http://schemas.microsoft.com/office/drawing/2014/main" id="{F7FEA660-7B39-BC91-3B96-7298CCF66DE1}"/>
-              </a:ext>
-            </a:extLst>
-          </p:cNvPr>
-          <p:cNvSpPr txBox="1"/>
-          <p:nvPr/>
-        </p:nvSpPr>
-        <p:spPr>
-          <a:xfrm>
-            <a:off x="751960" y="6066978"/>
-            <a:ext cx="11440040" cy="646331"/>
-          </a:xfrm>
-          <a:prstGeom prst="rect">
-            <a:avLst/>
-          </a:prstGeom>
-          <a:solidFill>
-            <a:schemeClr val="bg1">
-              <a:lumMod val="95000"/>
-            </a:schemeClr>
-          </a:solidFill>
-        </p:spPr>
-        <p:txBody>
-          <a:bodyPr wrap="square" rtlCol="0">
-            <a:spAutoFit/>
-          </a:bodyPr>
-          <a:lstStyle/>
-          <a:p>
-            <a:r>
-              <a:rPr lang="en-IE" sz="1800" b="1" dirty="0">
-                <a:effectLst/>
-                <a:latin typeface="Calibri" panose="020F0502020204030204" pitchFamily="34" charset="0"/>
-                <a:ea typeface="Calibri" panose="020F0502020204030204" pitchFamily="34" charset="0"/>
-                <a:cs typeface="Times New Roman" panose="02020603050405020304" pitchFamily="18" charset="0"/>
-              </a:rPr>
-              <a:t>Comparison of proportions </a:t>
-            </a:r>
-            <a:r>
-              <a:rPr lang="en-IE" sz="1800" dirty="0">
-                <a:effectLst/>
-                <a:latin typeface="Calibri" panose="020F0502020204030204" pitchFamily="34" charset="0"/>
-                <a:ea typeface="Calibri" panose="020F0502020204030204" pitchFamily="34" charset="0"/>
-                <a:cs typeface="Times New Roman" panose="02020603050405020304" pitchFamily="18" charset="0"/>
-              </a:rPr>
-              <a:t>analyses the difference in proportions of a characteristic shared by members of two different populations [each variable has at least two values to allow you to draw up a contingency table 2 x 2]. </a:t>
-            </a:r>
-            <a:endParaRPr lang="en-GB" dirty="0"/>
-          </a:p>
-        </p:txBody>
-      </p:sp>
-      <p:sp>
-        <p:nvSpPr>
-          <p:cNvPr id="8" name="Subtitle 7">
-            <a:extLst>
-              <a:ext uri="{FF2B5EF4-FFF2-40B4-BE49-F238E27FC236}">
-                <a16:creationId xmlns:a16="http://schemas.microsoft.com/office/drawing/2014/main" id="{08296624-D625-8A51-63F8-EC461F283B3B}"/>
-              </a:ext>
-            </a:extLst>
-          </p:cNvPr>
-          <p:cNvSpPr>
-            <a:spLocks noGrp="1"/>
-          </p:cNvSpPr>
-          <p:nvPr>
-            <p:ph type="subTitle" idx="1"/>
-          </p:nvPr>
-        </p:nvSpPr>
-        <p:spPr>
-          <a:xfrm>
-            <a:off x="952800" y="456910"/>
-            <a:ext cx="10273911" cy="668224"/>
-          </a:xfrm>
-          <a:solidFill>
-            <a:schemeClr val="bg2"/>
-          </a:solidFill>
-        </p:spPr>
-        <p:txBody>
-          <a:bodyPr/>
-          <a:lstStyle/>
-          <a:p>
-            <a:pPr>
-              <a:lnSpc>
-                <a:spcPct val="100000"/>
-              </a:lnSpc>
-            </a:pPr>
-            <a:r>
-              <a:rPr lang="en-GB" b="0" dirty="0">
-                <a:solidFill>
-                  <a:srgbClr val="FF0000"/>
-                </a:solidFill>
-              </a:rPr>
-              <a:t>3. Where your research question asks about </a:t>
-            </a:r>
-            <a:r>
-              <a:rPr lang="en-GB" dirty="0"/>
-              <a:t>Comparison of proportions </a:t>
-            </a:r>
-            <a:r>
-              <a:rPr lang="en-GB" b="0" dirty="0"/>
-              <a:t>include </a:t>
-            </a:r>
-            <a:r>
-              <a:rPr lang="en-GB" b="0" i="1" dirty="0"/>
-              <a:t>one</a:t>
-            </a:r>
-            <a:r>
-              <a:rPr lang="en-GB" b="0" dirty="0"/>
-              <a:t> plot only AND a contingency table.</a:t>
-            </a:r>
-            <a:endParaRPr lang="en-GB" b="0" i="1" dirty="0"/>
-          </a:p>
-        </p:txBody>
-      </p:sp>
-      <p:sp>
-        <p:nvSpPr>
-          <p:cNvPr id="12" name="Title 11">
-            <a:extLst>
-              <a:ext uri="{FF2B5EF4-FFF2-40B4-BE49-F238E27FC236}">
-                <a16:creationId xmlns:a16="http://schemas.microsoft.com/office/drawing/2014/main" id="{F41CBD45-A845-C335-489D-8BB5DDD408DD}"/>
-              </a:ext>
-            </a:extLst>
-          </p:cNvPr>
-          <p:cNvSpPr>
-            <a:spLocks noGrp="1"/>
-          </p:cNvSpPr>
-          <p:nvPr>
-            <p:ph type="ctrTitle"/>
-          </p:nvPr>
-        </p:nvSpPr>
-        <p:spPr>
-          <a:xfrm>
-            <a:off x="965289" y="2165747"/>
-            <a:ext cx="10656467" cy="3316019"/>
-          </a:xfrm>
-          <a:solidFill>
-            <a:srgbClr val="FFFF00"/>
-          </a:solidFill>
-        </p:spPr>
-        <p:txBody>
-          <a:bodyPr>
-            <a:normAutofit/>
-          </a:bodyPr>
-          <a:lstStyle/>
-          <a:p>
-            <a:pPr>
-              <a:lnSpc>
-                <a:spcPct val="100000"/>
-              </a:lnSpc>
-            </a:pPr>
-            <a:r>
-              <a:rPr lang="en-GB" sz="3600" b="0" dirty="0"/>
-              <a:t>1. A normalised stacked bar chart (with your independent variable sub types on the x axis).</a:t>
-            </a:r>
-            <a:br>
-              <a:rPr lang="en-GB" sz="3600" b="0" dirty="0"/>
-            </a:br>
-            <a:r>
-              <a:rPr lang="en-GB" sz="2700" b="0" dirty="0"/>
-              <a:t>As your raw data is likely to contain data of different sample sizes, you must  normalize your data. I.e. convert your data to a percentage, so that totals all equal 100.  Your stacked bar charts will now all be the same height, for a fair comparison.</a:t>
-            </a:r>
-            <a:br>
-              <a:rPr lang="en-GB" sz="2700" b="0" dirty="0"/>
-            </a:br>
-            <a:r>
-              <a:rPr lang="en-GB" sz="2700" b="0" dirty="0"/>
-              <a:t>Clearly label you axes to include variable name and units of measurement. Include a title to give your plot/visualisation a context.</a:t>
-            </a:r>
-          </a:p>
-        </p:txBody>
-      </p:sp>
-    </p:spTree>
-    <p:extLst>
-      <p:ext uri="{BB962C8B-B14F-4D97-AF65-F5344CB8AC3E}">
-        <p14:creationId xmlns:p14="http://schemas.microsoft.com/office/powerpoint/2010/main" val="3608140810"/>
-      </p:ext>
-    </p:extLst>
-  </p:cSld>
-  <p:clrMapOvr>
-    <a:masterClrMapping/>
-  </p:clrMapOvr>
-</p:sld>
-</file>
-
-<file path=ppt/slides/slide9.xml><?xml version="1.0" encoding="utf-8"?>
 <p:sld xmlns:a="http://schemas.openxmlformats.org/drawingml/2006/main" xmlns:r="http://schemas.openxmlformats.org/officeDocument/2006/relationships" xmlns:p="http://schemas.openxmlformats.org/presentationml/2006/main">
   <p:cSld>
     <p:spTree>
@@ -15321,7 +12263,7 @@
             <a:fld id="{E4D355CA-84B7-41B1-B164-8BB439CC7C6B}" type="slidenum">
               <a:rPr lang="en-GB" smtClean="0"/>
               <a:pPr/>
-              <a:t>9</a:t>
+              <a:t>8</a:t>
             </a:fld>
             <a:endParaRPr lang="en-GB"/>
           </a:p>
@@ -15356,14 +12298,14 @@
               </a:lnSpc>
             </a:pPr>
             <a:r>
-              <a:rPr lang="en-US" sz="3600">
+              <a:rPr lang="en-US" sz="3600" dirty="0">
                 <a:solidFill>
                   <a:srgbClr val="FF0000"/>
                 </a:solidFill>
               </a:rPr>
               <a:t>Only attempt this Analysis part of the demo if you have completed your Visualization(s). Otherwise end your demo after the Visualization for feedback.</a:t>
             </a:r>
-            <a:endParaRPr lang="en-GB" sz="3600">
+            <a:endParaRPr lang="en-GB" sz="3600" dirty="0">
               <a:solidFill>
                 <a:srgbClr val="FF0000"/>
               </a:solidFill>
@@ -15377,6 +12319,904 @@
         <p14:creationId xmlns:p14="http://schemas.microsoft.com/office/powerpoint/2010/main" val="1771321156"/>
       </p:ext>
     </p:extLst>
+  </p:cSld>
+  <p:clrMapOvr>
+    <a:masterClrMapping/>
+  </p:clrMapOvr>
+</p:sld>
+</file>
+
+<file path=ppt/slides/slide9.xml><?xml version="1.0" encoding="utf-8"?>
+<p:sld xmlns:a="http://schemas.openxmlformats.org/drawingml/2006/main" xmlns:r="http://schemas.openxmlformats.org/officeDocument/2006/relationships" xmlns:p="http://schemas.openxmlformats.org/presentationml/2006/main">
+  <p:cSld>
+    <p:spTree>
+      <p:nvGrpSpPr>
+        <p:cNvPr id="1" name=""/>
+        <p:cNvGrpSpPr/>
+        <p:nvPr/>
+      </p:nvGrpSpPr>
+      <p:grpSpPr>
+        <a:xfrm>
+          <a:off x="0" y="0"/>
+          <a:ext cx="0" cy="0"/>
+          <a:chOff x="0" y="0"/>
+          <a:chExt cx="0" cy="0"/>
+        </a:xfrm>
+      </p:grpSpPr>
+      <p:sp>
+        <p:nvSpPr>
+          <p:cNvPr id="115" name="CustomShape 1"/>
+          <p:cNvSpPr/>
+          <p:nvPr/>
+        </p:nvSpPr>
+        <p:spPr>
+          <a:xfrm>
+            <a:off x="0" y="0"/>
+            <a:ext cx="12191760" cy="6857640"/>
+          </a:xfrm>
+          <a:prstGeom prst="rect">
+            <a:avLst/>
+          </a:prstGeom>
+          <a:solidFill>
+            <a:schemeClr val="bg1"/>
+          </a:solidFill>
+          <a:ln>
+            <a:noFill/>
+          </a:ln>
+        </p:spPr>
+        <p:style>
+          <a:lnRef idx="2">
+            <a:schemeClr val="accent1">
+              <a:shade val="50000"/>
+            </a:schemeClr>
+          </a:lnRef>
+          <a:fillRef idx="1">
+            <a:schemeClr val="accent1"/>
+          </a:fillRef>
+          <a:effectRef idx="0">
+            <a:schemeClr val="accent1"/>
+          </a:effectRef>
+          <a:fontRef idx="minor"/>
+        </p:style>
+        <p:txBody>
+          <a:bodyPr/>
+          <a:lstStyle/>
+          <a:p>
+            <a:endParaRPr lang="en-GB"/>
+          </a:p>
+        </p:txBody>
+      </p:sp>
+      <p:sp>
+        <p:nvSpPr>
+          <p:cNvPr id="116" name="CustomShape 2"/>
+          <p:cNvSpPr/>
+          <p:nvPr/>
+        </p:nvSpPr>
+        <p:spPr>
+          <a:xfrm rot="10800000" flipH="1">
+            <a:off x="360" y="360"/>
+            <a:ext cx="12191760" cy="1575720"/>
+          </a:xfrm>
+          <a:prstGeom prst="rect">
+            <a:avLst/>
+          </a:prstGeom>
+          <a:gradFill rotWithShape="0">
+            <a:gsLst>
+              <a:gs pos="0">
+                <a:srgbClr val="000000">
+                  <a:alpha val="96078"/>
+                </a:srgbClr>
+              </a:gs>
+              <a:gs pos="100000">
+                <a:srgbClr val="77418E"/>
+              </a:gs>
+            </a:gsLst>
+            <a:lin ang="15600000"/>
+          </a:gradFill>
+          <a:ln>
+            <a:noFill/>
+          </a:ln>
+        </p:spPr>
+        <p:style>
+          <a:lnRef idx="2">
+            <a:schemeClr val="accent1">
+              <a:shade val="50000"/>
+            </a:schemeClr>
+          </a:lnRef>
+          <a:fillRef idx="1">
+            <a:schemeClr val="accent1"/>
+          </a:fillRef>
+          <a:effectRef idx="0">
+            <a:schemeClr val="accent1"/>
+          </a:effectRef>
+          <a:fontRef idx="minor"/>
+        </p:style>
+        <p:txBody>
+          <a:bodyPr/>
+          <a:lstStyle/>
+          <a:p>
+            <a:endParaRPr lang="en-GB"/>
+          </a:p>
+        </p:txBody>
+      </p:sp>
+      <p:sp>
+        <p:nvSpPr>
+          <p:cNvPr id="117" name="CustomShape 3"/>
+          <p:cNvSpPr/>
+          <p:nvPr/>
+        </p:nvSpPr>
+        <p:spPr>
+          <a:xfrm>
+            <a:off x="0" y="0"/>
+            <a:ext cx="8128440" cy="1575000"/>
+          </a:xfrm>
+          <a:prstGeom prst="rect">
+            <a:avLst/>
+          </a:prstGeom>
+          <a:gradFill rotWithShape="0">
+            <a:gsLst>
+              <a:gs pos="26000">
+                <a:srgbClr val="C49FD3">
+                  <a:alpha val="0"/>
+                </a:srgbClr>
+              </a:gs>
+              <a:gs pos="100000">
+                <a:srgbClr val="9C5FB5">
+                  <a:alpha val="41176"/>
+                </a:srgbClr>
+              </a:gs>
+            </a:gsLst>
+            <a:lin ang="19200000"/>
+          </a:gradFill>
+          <a:ln>
+            <a:noFill/>
+          </a:ln>
+        </p:spPr>
+        <p:style>
+          <a:lnRef idx="2">
+            <a:schemeClr val="accent1">
+              <a:shade val="50000"/>
+            </a:schemeClr>
+          </a:lnRef>
+          <a:fillRef idx="1">
+            <a:schemeClr val="accent1"/>
+          </a:fillRef>
+          <a:effectRef idx="0">
+            <a:schemeClr val="accent1"/>
+          </a:effectRef>
+          <a:fontRef idx="minor"/>
+        </p:style>
+        <p:txBody>
+          <a:bodyPr/>
+          <a:lstStyle/>
+          <a:p>
+            <a:endParaRPr lang="en-GB"/>
+          </a:p>
+        </p:txBody>
+      </p:sp>
+      <p:sp>
+        <p:nvSpPr>
+          <p:cNvPr id="118" name="CustomShape 4"/>
+          <p:cNvSpPr/>
+          <p:nvPr/>
+        </p:nvSpPr>
+        <p:spPr>
+          <a:xfrm flipH="1">
+            <a:off x="0" y="0"/>
+            <a:ext cx="12191760" cy="1573920"/>
+          </a:xfrm>
+          <a:prstGeom prst="rect">
+            <a:avLst/>
+          </a:prstGeom>
+          <a:gradFill rotWithShape="0">
+            <a:gsLst>
+              <a:gs pos="22000">
+                <a:srgbClr val="9C5FB5">
+                  <a:alpha val="15294"/>
+                </a:srgbClr>
+              </a:gs>
+              <a:gs pos="100000">
+                <a:srgbClr val="000000">
+                  <a:alpha val="63137"/>
+                </a:srgbClr>
+              </a:gs>
+            </a:gsLst>
+            <a:lin ang="6000000"/>
+          </a:gradFill>
+          <a:ln>
+            <a:noFill/>
+          </a:ln>
+        </p:spPr>
+        <p:style>
+          <a:lnRef idx="2">
+            <a:schemeClr val="accent1">
+              <a:shade val="50000"/>
+            </a:schemeClr>
+          </a:lnRef>
+          <a:fillRef idx="1">
+            <a:schemeClr val="accent1"/>
+          </a:fillRef>
+          <a:effectRef idx="0">
+            <a:schemeClr val="accent1"/>
+          </a:effectRef>
+          <a:fontRef idx="minor"/>
+        </p:style>
+        <p:txBody>
+          <a:bodyPr/>
+          <a:lstStyle/>
+          <a:p>
+            <a:endParaRPr lang="en-GB"/>
+          </a:p>
+        </p:txBody>
+      </p:sp>
+      <p:sp>
+        <p:nvSpPr>
+          <p:cNvPr id="119" name="TextShape 5"/>
+          <p:cNvSpPr txBox="1"/>
+          <p:nvPr/>
+        </p:nvSpPr>
+        <p:spPr>
+          <a:xfrm>
+            <a:off x="290880" y="158400"/>
+            <a:ext cx="7063200" cy="1158840"/>
+          </a:xfrm>
+          <a:prstGeom prst="rect">
+            <a:avLst/>
+          </a:prstGeom>
+          <a:noFill/>
+          <a:ln>
+            <a:noFill/>
+          </a:ln>
+        </p:spPr>
+        <p:txBody>
+          <a:bodyPr anchor="ctr">
+            <a:normAutofit/>
+          </a:bodyPr>
+          <a:lstStyle/>
+          <a:p>
+            <a:pPr>
+              <a:lnSpc>
+                <a:spcPct val="90000"/>
+              </a:lnSpc>
+            </a:pPr>
+            <a:r>
+              <a:rPr lang="en-US" sz="2400" b="0" strike="noStrike" spc="-202">
+                <a:solidFill>
+                  <a:srgbClr val="FFFFFF"/>
+                </a:solidFill>
+                <a:latin typeface="Arial"/>
+              </a:rPr>
+              <a:t> </a:t>
+            </a:r>
+            <a:br/>
+            <a:br/>
+            <a:endParaRPr lang="en-US" sz="2400" b="0" strike="noStrike" spc="-1">
+              <a:solidFill>
+                <a:srgbClr val="203232"/>
+              </a:solidFill>
+              <a:latin typeface="Arial"/>
+            </a:endParaRPr>
+          </a:p>
+        </p:txBody>
+      </p:sp>
+      <p:sp>
+        <p:nvSpPr>
+          <p:cNvPr id="120" name="TextShape 6"/>
+          <p:cNvSpPr txBox="1"/>
+          <p:nvPr/>
+        </p:nvSpPr>
+        <p:spPr>
+          <a:xfrm>
+            <a:off x="8217720" y="343800"/>
+            <a:ext cx="3386160" cy="1158840"/>
+          </a:xfrm>
+          <a:prstGeom prst="rect">
+            <a:avLst/>
+          </a:prstGeom>
+          <a:noFill/>
+          <a:ln>
+            <a:noFill/>
+          </a:ln>
+        </p:spPr>
+        <p:txBody>
+          <a:bodyPr anchor="ctr">
+            <a:noAutofit/>
+          </a:bodyPr>
+          <a:lstStyle/>
+          <a:p>
+            <a:pPr>
+              <a:lnSpc>
+                <a:spcPts val="2880"/>
+              </a:lnSpc>
+              <a:spcAft>
+                <a:spcPts val="992"/>
+              </a:spcAft>
+              <a:tabLst>
+                <a:tab pos="0" algn="l"/>
+              </a:tabLst>
+            </a:pPr>
+            <a:r>
+              <a:rPr lang="en-GB" sz="3200" b="0" strike="noStrike" spc="-100">
+                <a:solidFill>
+                  <a:srgbClr val="FFFFFF"/>
+                </a:solidFill>
+                <a:latin typeface="Arial"/>
+              </a:rPr>
+              <a:t>Our RQ asks about Correlation</a:t>
+            </a:r>
+            <a:endParaRPr lang="en-US" sz="3200" b="0" strike="noStrike" spc="-1">
+              <a:latin typeface="Arial"/>
+            </a:endParaRPr>
+          </a:p>
+        </p:txBody>
+      </p:sp>
+      <p:sp>
+        <p:nvSpPr>
+          <p:cNvPr id="121" name="TextShape 7"/>
+          <p:cNvSpPr txBox="1"/>
+          <p:nvPr/>
+        </p:nvSpPr>
+        <p:spPr>
+          <a:xfrm>
+            <a:off x="11704320" y="6455520"/>
+            <a:ext cx="447840" cy="364680"/>
+          </a:xfrm>
+          <a:prstGeom prst="rect">
+            <a:avLst/>
+          </a:prstGeom>
+          <a:noFill/>
+          <a:ln>
+            <a:noFill/>
+          </a:ln>
+        </p:spPr>
+        <p:txBody>
+          <a:bodyPr anchor="ctr">
+            <a:normAutofit/>
+          </a:bodyPr>
+          <a:lstStyle/>
+          <a:p>
+            <a:pPr algn="r">
+              <a:lnSpc>
+                <a:spcPct val="100000"/>
+              </a:lnSpc>
+              <a:spcAft>
+                <a:spcPts val="601"/>
+              </a:spcAft>
+            </a:pPr>
+            <a:fld id="{3AD1EC97-2E3A-4B5A-93B5-9F892C3DC423}" type="slidenum">
+              <a:rPr lang="en-US" sz="1100" b="1" strike="noStrike" spc="-1">
+                <a:solidFill>
+                  <a:srgbClr val="7DABAB"/>
+                </a:solidFill>
+                <a:latin typeface="Arial"/>
+              </a:rPr>
+              <a:t>9</a:t>
+            </a:fld>
+            <a:endParaRPr lang="en-US" sz="1100" b="0" strike="noStrike" spc="-1">
+              <a:latin typeface="Times New Roman"/>
+            </a:endParaRPr>
+          </a:p>
+        </p:txBody>
+      </p:sp>
+      <p:sp>
+        <p:nvSpPr>
+          <p:cNvPr id="122" name="CustomShape 8"/>
+          <p:cNvSpPr/>
+          <p:nvPr/>
+        </p:nvSpPr>
+        <p:spPr>
+          <a:xfrm>
+            <a:off x="366120" y="197640"/>
+            <a:ext cx="6988320" cy="1187640"/>
+          </a:xfrm>
+          <a:prstGeom prst="rect">
+            <a:avLst/>
+          </a:prstGeom>
+          <a:noFill/>
+          <a:ln>
+            <a:noFill/>
+          </a:ln>
+        </p:spPr>
+        <p:style>
+          <a:lnRef idx="0">
+            <a:scrgbClr r="0" g="0" b="0"/>
+          </a:lnRef>
+          <a:fillRef idx="0">
+            <a:scrgbClr r="0" g="0" b="0"/>
+          </a:fillRef>
+          <a:effectRef idx="0">
+            <a:scrgbClr r="0" g="0" b="0"/>
+          </a:effectRef>
+          <a:fontRef idx="minor"/>
+        </p:style>
+        <p:txBody>
+          <a:bodyPr lIns="90000" tIns="45000" rIns="90000" bIns="45000">
+            <a:spAutoFit/>
+          </a:bodyPr>
+          <a:lstStyle/>
+          <a:p>
+            <a:pPr>
+              <a:lnSpc>
+                <a:spcPct val="100000"/>
+              </a:lnSpc>
+            </a:pPr>
+            <a:r>
+              <a:rPr lang="en-GB" sz="2400" b="0" strike="noStrike" spc="-1">
+                <a:solidFill>
+                  <a:srgbClr val="FFFFFF"/>
+                </a:solidFill>
+                <a:latin typeface="Arial"/>
+              </a:rPr>
+              <a:t>Here is a </a:t>
+            </a:r>
+            <a:r>
+              <a:rPr lang="en-GB" sz="2400" b="1" strike="noStrike" spc="-1">
+                <a:solidFill>
+                  <a:srgbClr val="FFFFFF"/>
+                </a:solidFill>
+                <a:latin typeface="Arial"/>
+              </a:rPr>
+              <a:t>Histogram </a:t>
+            </a:r>
+            <a:r>
+              <a:rPr lang="en-GB" sz="2400" b="0" strike="noStrike" spc="-1">
+                <a:solidFill>
+                  <a:srgbClr val="FFFFFF"/>
+                </a:solidFill>
+                <a:latin typeface="Arial"/>
+              </a:rPr>
+              <a:t>showing the frequencies of our dependent variable to include the normal curve overlay</a:t>
+            </a:r>
+            <a:r>
+              <a:rPr lang="en-GB" sz="1800" b="0" strike="noStrike" spc="-1">
+                <a:solidFill>
+                  <a:srgbClr val="203232"/>
+                </a:solidFill>
+                <a:latin typeface="Arial"/>
+              </a:rPr>
+              <a:t>.</a:t>
+            </a:r>
+            <a:endParaRPr lang="en-US" sz="1800" b="0" strike="noStrike" spc="-1">
+              <a:latin typeface="Arial"/>
+            </a:endParaRPr>
+          </a:p>
+        </p:txBody>
+      </p:sp>
+      <p:sp>
+        <p:nvSpPr>
+          <p:cNvPr id="123" name="CustomShape 9"/>
+          <p:cNvSpPr/>
+          <p:nvPr/>
+        </p:nvSpPr>
+        <p:spPr>
+          <a:xfrm>
+            <a:off x="182880" y="1645920"/>
+            <a:ext cx="11722680" cy="5046840"/>
+          </a:xfrm>
+          <a:prstGeom prst="roundRect">
+            <a:avLst>
+              <a:gd name="adj" fmla="val 16667"/>
+            </a:avLst>
+          </a:prstGeom>
+          <a:solidFill>
+            <a:schemeClr val="accent1">
+              <a:lumMod val="20000"/>
+              <a:lumOff val="80000"/>
+            </a:schemeClr>
+          </a:solidFill>
+          <a:ln/>
+        </p:spPr>
+        <p:style>
+          <a:lnRef idx="2">
+            <a:schemeClr val="accent1">
+              <a:shade val="50000"/>
+            </a:schemeClr>
+          </a:lnRef>
+          <a:fillRef idx="1">
+            <a:schemeClr val="accent1"/>
+          </a:fillRef>
+          <a:effectRef idx="0">
+            <a:schemeClr val="accent1"/>
+          </a:effectRef>
+          <a:fontRef idx="minor"/>
+        </p:style>
+        <p:txBody>
+          <a:bodyPr lIns="90000" tIns="45000" rIns="90000" bIns="45000" anchor="ctr">
+            <a:noAutofit/>
+          </a:bodyPr>
+          <a:lstStyle/>
+          <a:p>
+            <a:pPr>
+              <a:lnSpc>
+                <a:spcPct val="100000"/>
+              </a:lnSpc>
+            </a:pPr>
+            <a:r>
+              <a:rPr lang="en-GB" sz="1800" b="0" strike="noStrike" spc="-1">
+                <a:solidFill>
+                  <a:srgbClr val="000000"/>
+                </a:solidFill>
+                <a:latin typeface="Arial"/>
+              </a:rPr>
+              <a:t>For example:</a:t>
+            </a:r>
+            <a:endParaRPr lang="en-US" sz="1800" b="0" strike="noStrike" spc="-1">
+              <a:latin typeface="Arial"/>
+            </a:endParaRPr>
+          </a:p>
+          <a:p>
+            <a:pPr>
+              <a:lnSpc>
+                <a:spcPct val="100000"/>
+              </a:lnSpc>
+            </a:pPr>
+            <a:endParaRPr lang="en-US" sz="1800" b="0" strike="noStrike" spc="-1">
+              <a:latin typeface="Arial"/>
+            </a:endParaRPr>
+          </a:p>
+          <a:p>
+            <a:pPr>
+              <a:lnSpc>
+                <a:spcPct val="100000"/>
+              </a:lnSpc>
+            </a:pPr>
+            <a:endParaRPr lang="en-US" sz="1800" b="0" strike="noStrike" spc="-1">
+              <a:latin typeface="Arial"/>
+            </a:endParaRPr>
+          </a:p>
+          <a:p>
+            <a:pPr>
+              <a:lnSpc>
+                <a:spcPct val="100000"/>
+              </a:lnSpc>
+            </a:pPr>
+            <a:endParaRPr lang="en-US" sz="1800" b="0" strike="noStrike" spc="-1">
+              <a:latin typeface="Arial"/>
+            </a:endParaRPr>
+          </a:p>
+          <a:p>
+            <a:pPr>
+              <a:lnSpc>
+                <a:spcPct val="100000"/>
+              </a:lnSpc>
+            </a:pPr>
+            <a:endParaRPr lang="en-US" sz="1800" b="0" strike="noStrike" spc="-1">
+              <a:latin typeface="Arial"/>
+            </a:endParaRPr>
+          </a:p>
+          <a:p>
+            <a:pPr>
+              <a:lnSpc>
+                <a:spcPct val="100000"/>
+              </a:lnSpc>
+            </a:pPr>
+            <a:endParaRPr lang="en-US" sz="1800" b="0" strike="noStrike" spc="-1">
+              <a:latin typeface="Arial"/>
+            </a:endParaRPr>
+          </a:p>
+          <a:p>
+            <a:pPr>
+              <a:lnSpc>
+                <a:spcPct val="100000"/>
+              </a:lnSpc>
+            </a:pPr>
+            <a:endParaRPr lang="en-US" sz="1800" b="0" strike="noStrike" spc="-1">
+              <a:latin typeface="Arial"/>
+            </a:endParaRPr>
+          </a:p>
+          <a:p>
+            <a:pPr>
+              <a:lnSpc>
+                <a:spcPct val="100000"/>
+              </a:lnSpc>
+            </a:pPr>
+            <a:endParaRPr lang="en-US" sz="1800" b="0" strike="noStrike" spc="-1">
+              <a:latin typeface="Arial"/>
+            </a:endParaRPr>
+          </a:p>
+          <a:p>
+            <a:pPr>
+              <a:lnSpc>
+                <a:spcPct val="100000"/>
+              </a:lnSpc>
+            </a:pPr>
+            <a:endParaRPr lang="en-US" sz="1800" b="0" strike="noStrike" spc="-1">
+              <a:latin typeface="Arial"/>
+            </a:endParaRPr>
+          </a:p>
+          <a:p>
+            <a:pPr>
+              <a:lnSpc>
+                <a:spcPct val="100000"/>
+              </a:lnSpc>
+            </a:pPr>
+            <a:endParaRPr lang="en-US" sz="1800" b="0" strike="noStrike" spc="-1">
+              <a:latin typeface="Arial"/>
+            </a:endParaRPr>
+          </a:p>
+          <a:p>
+            <a:pPr>
+              <a:lnSpc>
+                <a:spcPct val="100000"/>
+              </a:lnSpc>
+            </a:pPr>
+            <a:endParaRPr lang="en-US" sz="1800" b="0" strike="noStrike" spc="-1">
+              <a:latin typeface="Arial"/>
+            </a:endParaRPr>
+          </a:p>
+          <a:p>
+            <a:pPr>
+              <a:lnSpc>
+                <a:spcPct val="100000"/>
+              </a:lnSpc>
+            </a:pPr>
+            <a:endParaRPr lang="en-US" sz="1800" b="0" strike="noStrike" spc="-1">
+              <a:latin typeface="Arial"/>
+            </a:endParaRPr>
+          </a:p>
+          <a:p>
+            <a:pPr>
+              <a:lnSpc>
+                <a:spcPct val="100000"/>
+              </a:lnSpc>
+            </a:pPr>
+            <a:endParaRPr lang="en-US" sz="1800" b="0" strike="noStrike" spc="-1">
+              <a:latin typeface="Arial"/>
+            </a:endParaRPr>
+          </a:p>
+          <a:p>
+            <a:pPr>
+              <a:lnSpc>
+                <a:spcPct val="100000"/>
+              </a:lnSpc>
+            </a:pPr>
+            <a:endParaRPr lang="en-US" sz="1800" b="0" strike="noStrike" spc="-1">
+              <a:latin typeface="Arial"/>
+            </a:endParaRPr>
+          </a:p>
+          <a:p>
+            <a:pPr>
+              <a:lnSpc>
+                <a:spcPct val="100000"/>
+              </a:lnSpc>
+            </a:pPr>
+            <a:endParaRPr lang="en-US" sz="1800" b="0" strike="noStrike" spc="-1">
+              <a:latin typeface="Arial"/>
+            </a:endParaRPr>
+          </a:p>
+          <a:p>
+            <a:pPr>
+              <a:lnSpc>
+                <a:spcPct val="100000"/>
+              </a:lnSpc>
+            </a:pPr>
+            <a:endParaRPr lang="en-US" sz="1800" b="0" strike="noStrike" spc="-1">
+              <a:latin typeface="Arial"/>
+            </a:endParaRPr>
+          </a:p>
+        </p:txBody>
+      </p:sp>
+      <p:sp>
+        <p:nvSpPr>
+          <p:cNvPr id="124" name="CustomShape 10"/>
+          <p:cNvSpPr/>
+          <p:nvPr/>
+        </p:nvSpPr>
+        <p:spPr>
+          <a:xfrm>
+            <a:off x="6412680" y="2012760"/>
+            <a:ext cx="5057640" cy="4205160"/>
+          </a:xfrm>
+          <a:prstGeom prst="rect">
+            <a:avLst/>
+          </a:prstGeom>
+          <a:noFill/>
+          <a:ln>
+            <a:noFill/>
+          </a:ln>
+        </p:spPr>
+        <p:style>
+          <a:lnRef idx="0">
+            <a:scrgbClr r="0" g="0" b="0"/>
+          </a:lnRef>
+          <a:fillRef idx="0">
+            <a:scrgbClr r="0" g="0" b="0"/>
+          </a:fillRef>
+          <a:effectRef idx="0">
+            <a:scrgbClr r="0" g="0" b="0"/>
+          </a:effectRef>
+          <a:fontRef idx="minor"/>
+        </p:style>
+        <p:txBody>
+          <a:bodyPr lIns="90000" tIns="45000" rIns="90000" bIns="45000">
+            <a:spAutoFit/>
+          </a:bodyPr>
+          <a:lstStyle/>
+          <a:p>
+            <a:pPr>
+              <a:lnSpc>
+                <a:spcPct val="100000"/>
+              </a:lnSpc>
+            </a:pPr>
+            <a:r>
+              <a:rPr lang="en-GB" sz="1800" b="0" strike="noStrike" spc="-1">
+                <a:solidFill>
+                  <a:srgbClr val="203232"/>
+                </a:solidFill>
+                <a:latin typeface="Arial"/>
+              </a:rPr>
+              <a:t>Choose one:</a:t>
+            </a:r>
+            <a:endParaRPr lang="en-US" sz="1800" b="0" strike="noStrike" spc="-1">
+              <a:latin typeface="Arial"/>
+            </a:endParaRPr>
+          </a:p>
+          <a:p>
+            <a:pPr>
+              <a:lnSpc>
+                <a:spcPct val="100000"/>
+              </a:lnSpc>
+            </a:pPr>
+            <a:r>
+              <a:rPr lang="en-GB" sz="1800" b="0" strike="noStrike" spc="-1">
+                <a:solidFill>
+                  <a:srgbClr val="203232"/>
+                </a:solidFill>
+                <a:latin typeface="Arial"/>
+              </a:rPr>
+              <a:t>1. The blue normal curve overlay follows the contours of the underlying data, so for our analysis we will use a parametric test for correlation:  </a:t>
+            </a:r>
+            <a:r>
+              <a:rPr lang="en-GB" sz="1800" b="0" strike="noStrike" spc="-1">
+                <a:solidFill>
+                  <a:srgbClr val="0073CF"/>
+                </a:solidFill>
+                <a:latin typeface="Arial"/>
+              </a:rPr>
+              <a:t>Pearson’s r</a:t>
+            </a:r>
+            <a:endParaRPr lang="en-US" sz="1800" b="0" strike="noStrike" spc="-1">
+              <a:latin typeface="Arial"/>
+            </a:endParaRPr>
+          </a:p>
+          <a:p>
+            <a:pPr>
+              <a:lnSpc>
+                <a:spcPct val="100000"/>
+              </a:lnSpc>
+            </a:pPr>
+            <a:r>
+              <a:rPr lang="en-GB" sz="1800" b="0" strike="noStrike" spc="-1">
+                <a:solidFill>
+                  <a:srgbClr val="0073CF"/>
+                </a:solidFill>
+                <a:latin typeface="Arial"/>
+              </a:rPr>
+              <a:t>OR</a:t>
+            </a:r>
+            <a:endParaRPr lang="en-US" sz="1800" b="0" strike="noStrike" spc="-1">
+              <a:latin typeface="Arial"/>
+            </a:endParaRPr>
+          </a:p>
+          <a:p>
+            <a:pPr>
+              <a:lnSpc>
+                <a:spcPct val="100000"/>
+              </a:lnSpc>
+            </a:pPr>
+            <a:r>
+              <a:rPr lang="en-GB" sz="1800" b="0" strike="noStrike" spc="-1">
+                <a:solidFill>
+                  <a:srgbClr val="203232"/>
+                </a:solidFill>
+                <a:latin typeface="Arial"/>
+              </a:rPr>
+              <a:t>The normal curve overlay </a:t>
+            </a:r>
+            <a:r>
+              <a:rPr lang="en-GB" sz="1800" b="1" strike="noStrike" spc="-1">
+                <a:solidFill>
+                  <a:srgbClr val="203232"/>
+                </a:solidFill>
+                <a:latin typeface="Arial"/>
+              </a:rPr>
+              <a:t>does not follow </a:t>
+            </a:r>
+            <a:r>
+              <a:rPr lang="en-GB" sz="1800" b="0" strike="noStrike" spc="-1">
+                <a:solidFill>
+                  <a:srgbClr val="203232"/>
+                </a:solidFill>
+                <a:latin typeface="Arial"/>
+              </a:rPr>
+              <a:t>the shape of the underlying data, so for our analysis we  use the non-parametric test for correlation that does not assume normality: </a:t>
+            </a:r>
+            <a:r>
+              <a:rPr lang="en-GB" sz="1800" b="0" strike="noStrike" spc="-1">
+                <a:solidFill>
+                  <a:srgbClr val="0073CF"/>
+                </a:solidFill>
+                <a:latin typeface="Arial"/>
+              </a:rPr>
+              <a:t>Spearman’s Rho </a:t>
+            </a:r>
+            <a:r>
+              <a:rPr lang="en-GB" sz="1800" b="0" strike="noStrike" spc="-1">
+                <a:solidFill>
+                  <a:srgbClr val="203232"/>
+                </a:solidFill>
+                <a:latin typeface="Arial"/>
+              </a:rPr>
+              <a:t>or </a:t>
+            </a:r>
+            <a:r>
+              <a:rPr lang="en-GB" sz="1800" b="0" strike="noStrike" spc="-1">
+                <a:solidFill>
+                  <a:srgbClr val="0073CF"/>
+                </a:solidFill>
+                <a:latin typeface="Arial"/>
+              </a:rPr>
+              <a:t>Kendal’s Tau</a:t>
+            </a:r>
+            <a:endParaRPr lang="en-US" sz="1800" b="0" strike="noStrike" spc="-1">
+              <a:latin typeface="Arial"/>
+            </a:endParaRPr>
+          </a:p>
+          <a:p>
+            <a:pPr>
+              <a:lnSpc>
+                <a:spcPct val="100000"/>
+              </a:lnSpc>
+            </a:pPr>
+            <a:endParaRPr lang="en-US" sz="1800" b="0" strike="noStrike" spc="-1">
+              <a:latin typeface="Arial"/>
+            </a:endParaRPr>
+          </a:p>
+          <a:p>
+            <a:pPr>
+              <a:lnSpc>
+                <a:spcPct val="100000"/>
+              </a:lnSpc>
+            </a:pPr>
+            <a:r>
+              <a:rPr lang="en-GB" sz="1800" b="0" strike="noStrike" spc="-1">
+                <a:solidFill>
+                  <a:srgbClr val="0073CF"/>
+                </a:solidFill>
+                <a:latin typeface="Arial"/>
+              </a:rPr>
+              <a:t>The example here is borderline, in terms of shape, so when in doubt choose the non-parametric equivalent.</a:t>
+            </a:r>
+            <a:endParaRPr lang="en-US" sz="1800" b="0" strike="noStrike" spc="-1">
+              <a:latin typeface="Arial"/>
+            </a:endParaRPr>
+          </a:p>
+        </p:txBody>
+      </p:sp>
+      <p:pic>
+        <p:nvPicPr>
+          <p:cNvPr id="125" name="Picture 5" descr="Chart, histogram&#10;&#10;Description automatically generated"/>
+          <p:cNvPicPr/>
+          <p:nvPr/>
+        </p:nvPicPr>
+        <p:blipFill>
+          <a:blip r:embed="rId3"/>
+          <a:stretch/>
+        </p:blipFill>
+        <p:spPr>
+          <a:xfrm>
+            <a:off x="885960" y="1685879"/>
+            <a:ext cx="5057640" cy="5057640"/>
+          </a:xfrm>
+          <a:prstGeom prst="rect">
+            <a:avLst/>
+          </a:prstGeom>
+          <a:ln>
+            <a:noFill/>
+          </a:ln>
+        </p:spPr>
+      </p:pic>
+    </p:spTree>
   </p:cSld>
   <p:clrMapOvr>
     <a:masterClrMapping/>
